--- a/SRM-NIRS-EEG Update 4-19.pptx
+++ b/SRM-NIRS-EEG Update 4-19.pptx
@@ -5,16 +5,30 @@
     <p:sldMasterId id="2147483648" r:id="rId1"/>
   </p:sldMasterIdLst>
   <p:notesMasterIdLst>
-    <p:notesMasterId r:id="rId6"/>
+    <p:notesMasterId r:id="rId20"/>
   </p:notesMasterIdLst>
   <p:handoutMasterIdLst>
-    <p:handoutMasterId r:id="rId7"/>
+    <p:handoutMasterId r:id="rId21"/>
   </p:handoutMasterIdLst>
   <p:sldIdLst>
     <p:sldId id="256" r:id="rId2"/>
     <p:sldId id="257" r:id="rId3"/>
     <p:sldId id="258" r:id="rId4"/>
-    <p:sldId id="266" r:id="rId5"/>
+    <p:sldId id="267" r:id="rId5"/>
+    <p:sldId id="268" r:id="rId6"/>
+    <p:sldId id="269" r:id="rId7"/>
+    <p:sldId id="270" r:id="rId8"/>
+    <p:sldId id="271" r:id="rId9"/>
+    <p:sldId id="272" r:id="rId10"/>
+    <p:sldId id="277" r:id="rId11"/>
+    <p:sldId id="273" r:id="rId12"/>
+    <p:sldId id="274" r:id="rId13"/>
+    <p:sldId id="275" r:id="rId14"/>
+    <p:sldId id="276" r:id="rId15"/>
+    <p:sldId id="278" r:id="rId16"/>
+    <p:sldId id="279" r:id="rId17"/>
+    <p:sldId id="280" r:id="rId18"/>
+    <p:sldId id="266" r:id="rId19"/>
   </p:sldIdLst>
   <p:sldSz cx="10080625" cy="5670550"/>
   <p:notesSz cx="7772400" cy="10058400"/>
@@ -113,6 +127,11 @@
       </a:defRPr>
     </a:lvl9pPr>
   </p:defaultTextStyle>
+  <p:extLst>
+    <p:ext uri="{EFAFB233-063F-42B5-8137-9DF3F51BA10A}">
+      <p15:sldGuideLst xmlns:p15="http://schemas.microsoft.com/office/powerpoint/2012/main"/>
+    </p:ext>
+  </p:extLst>
 </p:presentation>
 </file>
 
@@ -1182,7 +1201,7 @@
           <a:p>
             <a:pPr lvl="0"/>
             <a:fld id="{21A34183-C0C0-4248-A472-917558651C40}" type="slidenum">
-              <a:t>4</a:t>
+              <a:t>18</a:t>
             </a:fld>
             <a:endParaRPr lang="en-US"/>
           </a:p>
@@ -4538,6 +4557,1227 @@
 </p:sld>
 </file>
 
+<file path=ppt/slides/slide10.xml><?xml version="1.0" encoding="utf-8"?>
+<p:sld xmlns:a="http://schemas.openxmlformats.org/drawingml/2006/main" xmlns:r="http://schemas.openxmlformats.org/officeDocument/2006/relationships" xmlns:p="http://schemas.openxmlformats.org/presentationml/2006/main">
+  <p:cSld>
+    <p:spTree>
+      <p:nvGrpSpPr>
+        <p:cNvPr id="1" name=""/>
+        <p:cNvGrpSpPr/>
+        <p:nvPr/>
+      </p:nvGrpSpPr>
+      <p:grpSpPr>
+        <a:xfrm>
+          <a:off x="0" y="0"/>
+          <a:ext cx="0" cy="0"/>
+          <a:chOff x="0" y="0"/>
+          <a:chExt cx="0" cy="0"/>
+        </a:xfrm>
+      </p:grpSpPr>
+      <p:sp>
+        <p:nvSpPr>
+          <p:cNvPr id="2" name="Title 1">
+            <a:extLst>
+              <a:ext uri="{FF2B5EF4-FFF2-40B4-BE49-F238E27FC236}">
+                <a16:creationId xmlns:a16="http://schemas.microsoft.com/office/drawing/2014/main" id="{5DAABEB0-E95E-92CE-F44C-6F37A5A588E6}"/>
+              </a:ext>
+            </a:extLst>
+          </p:cNvPr>
+          <p:cNvSpPr>
+            <a:spLocks noGrp="1"/>
+          </p:cNvSpPr>
+          <p:nvPr>
+            <p:ph type="title"/>
+          </p:nvPr>
+        </p:nvSpPr>
+        <p:spPr/>
+        <p:txBody>
+          <a:bodyPr/>
+          <a:lstStyle/>
+          <a:p>
+            <a:r>
+              <a:rPr lang="en-US" dirty="0"/>
+              <a:t>ANOVAs on Mean </a:t>
+            </a:r>
+            <a:r>
+              <a:rPr lang="en-US" dirty="0" err="1"/>
+              <a:t>HbO</a:t>
+            </a:r>
+            <a:endParaRPr lang="en-US" dirty="0"/>
+          </a:p>
+        </p:txBody>
+      </p:sp>
+      <p:sp>
+        <p:nvSpPr>
+          <p:cNvPr id="3" name="Content Placeholder 2">
+            <a:extLst>
+              <a:ext uri="{FF2B5EF4-FFF2-40B4-BE49-F238E27FC236}">
+                <a16:creationId xmlns:a16="http://schemas.microsoft.com/office/drawing/2014/main" id="{8067636C-AD53-1204-369B-8403A92B09DE}"/>
+              </a:ext>
+            </a:extLst>
+          </p:cNvPr>
+          <p:cNvSpPr>
+            <a:spLocks noGrp="1"/>
+          </p:cNvSpPr>
+          <p:nvPr>
+            <p:ph idx="1"/>
+          </p:nvPr>
+        </p:nvSpPr>
+        <p:spPr>
+          <a:xfrm>
+            <a:off x="503999" y="1326600"/>
+            <a:ext cx="1128858" cy="649157"/>
+          </a:xfrm>
+        </p:spPr>
+        <p:txBody>
+          <a:bodyPr/>
+          <a:lstStyle/>
+          <a:p>
+            <a:r>
+              <a:rPr lang="en-US" dirty="0"/>
+              <a:t>PFC:</a:t>
+            </a:r>
+          </a:p>
+        </p:txBody>
+      </p:sp>
+      <p:sp>
+        <p:nvSpPr>
+          <p:cNvPr id="4" name="Content Placeholder 2">
+            <a:extLst>
+              <a:ext uri="{FF2B5EF4-FFF2-40B4-BE49-F238E27FC236}">
+                <a16:creationId xmlns:a16="http://schemas.microsoft.com/office/drawing/2014/main" id="{1521047D-6F37-F924-E278-85D92B6B2B82}"/>
+              </a:ext>
+            </a:extLst>
+          </p:cNvPr>
+          <p:cNvSpPr txBox="1">
+            <a:spLocks/>
+          </p:cNvSpPr>
+          <p:nvPr/>
+        </p:nvSpPr>
+        <p:spPr>
+          <a:xfrm>
+            <a:off x="503999" y="3045637"/>
+            <a:ext cx="1128858" cy="649157"/>
+          </a:xfrm>
+          <a:prstGeom prst="rect">
+            <a:avLst/>
+          </a:prstGeom>
+          <a:noFill/>
+          <a:ln>
+            <a:noFill/>
+          </a:ln>
+        </p:spPr>
+        <p:txBody>
+          <a:bodyPr lIns="0" tIns="0" rIns="0" bIns="0">
+            <a:normAutofit/>
+          </a:bodyPr>
+          <a:lstStyle>
+            <a:lvl1pPr rtl="0" hangingPunct="0">
+              <a:spcBef>
+                <a:spcPts val="1417"/>
+              </a:spcBef>
+              <a:spcAft>
+                <a:spcPts val="0"/>
+              </a:spcAft>
+              <a:tabLst/>
+              <a:defRPr lang="en-US" sz="3200" b="0" i="0" u="none" strike="noStrike" kern="1200" cap="none">
+                <a:ln>
+                  <a:noFill/>
+                </a:ln>
+                <a:highlight>
+                  <a:scrgbClr r="0" g="0" b="0">
+                    <a:alpha val="0"/>
+                  </a:scrgbClr>
+                </a:highlight>
+                <a:latin typeface="Liberation Sans" pitchFamily="18"/>
+              </a:defRPr>
+            </a:lvl1pPr>
+            <a:lvl2pPr marL="685800" indent="-228600" algn="l" defTabSz="914400" rtl="0" eaLnBrk="1" latinLnBrk="0" hangingPunct="1">
+              <a:lnSpc>
+                <a:spcPct val="90000"/>
+              </a:lnSpc>
+              <a:spcBef>
+                <a:spcPts val="500"/>
+              </a:spcBef>
+              <a:buFont typeface="Arial" panose="020B0604020202020204" pitchFamily="34" charset="0"/>
+              <a:buChar char="•"/>
+              <a:defRPr sz="2400" kern="1200">
+                <a:solidFill>
+                  <a:schemeClr val="tx1"/>
+                </a:solidFill>
+                <a:latin typeface="+mn-lt"/>
+                <a:ea typeface="+mn-ea"/>
+                <a:cs typeface="+mn-cs"/>
+              </a:defRPr>
+            </a:lvl2pPr>
+            <a:lvl3pPr marL="1143000" indent="-228600" algn="l" defTabSz="914400" rtl="0" eaLnBrk="1" latinLnBrk="0" hangingPunct="1">
+              <a:lnSpc>
+                <a:spcPct val="90000"/>
+              </a:lnSpc>
+              <a:spcBef>
+                <a:spcPts val="500"/>
+              </a:spcBef>
+              <a:buFont typeface="Arial" panose="020B0604020202020204" pitchFamily="34" charset="0"/>
+              <a:buChar char="•"/>
+              <a:defRPr sz="2000" kern="1200">
+                <a:solidFill>
+                  <a:schemeClr val="tx1"/>
+                </a:solidFill>
+                <a:latin typeface="+mn-lt"/>
+                <a:ea typeface="+mn-ea"/>
+                <a:cs typeface="+mn-cs"/>
+              </a:defRPr>
+            </a:lvl3pPr>
+            <a:lvl4pPr marL="1600200" indent="-228600" algn="l" defTabSz="914400" rtl="0" eaLnBrk="1" latinLnBrk="0" hangingPunct="1">
+              <a:lnSpc>
+                <a:spcPct val="90000"/>
+              </a:lnSpc>
+              <a:spcBef>
+                <a:spcPts val="500"/>
+              </a:spcBef>
+              <a:buFont typeface="Arial" panose="020B0604020202020204" pitchFamily="34" charset="0"/>
+              <a:buChar char="•"/>
+              <a:defRPr sz="1800" kern="1200">
+                <a:solidFill>
+                  <a:schemeClr val="tx1"/>
+                </a:solidFill>
+                <a:latin typeface="+mn-lt"/>
+                <a:ea typeface="+mn-ea"/>
+                <a:cs typeface="+mn-cs"/>
+              </a:defRPr>
+            </a:lvl4pPr>
+            <a:lvl5pPr marL="2057400" indent="-228600" algn="l" defTabSz="914400" rtl="0" eaLnBrk="1" latinLnBrk="0" hangingPunct="1">
+              <a:lnSpc>
+                <a:spcPct val="90000"/>
+              </a:lnSpc>
+              <a:spcBef>
+                <a:spcPts val="500"/>
+              </a:spcBef>
+              <a:buFont typeface="Arial" panose="020B0604020202020204" pitchFamily="34" charset="0"/>
+              <a:buChar char="•"/>
+              <a:defRPr sz="1800" kern="1200">
+                <a:solidFill>
+                  <a:schemeClr val="tx1"/>
+                </a:solidFill>
+                <a:latin typeface="+mn-lt"/>
+                <a:ea typeface="+mn-ea"/>
+                <a:cs typeface="+mn-cs"/>
+              </a:defRPr>
+            </a:lvl5pPr>
+            <a:lvl6pPr marL="2514600" indent="-228600" algn="l" defTabSz="914400" rtl="0" eaLnBrk="1" latinLnBrk="0" hangingPunct="1">
+              <a:lnSpc>
+                <a:spcPct val="90000"/>
+              </a:lnSpc>
+              <a:spcBef>
+                <a:spcPts val="500"/>
+              </a:spcBef>
+              <a:buFont typeface="Arial" panose="020B0604020202020204" pitchFamily="34" charset="0"/>
+              <a:buChar char="•"/>
+              <a:defRPr sz="1800" kern="1200">
+                <a:solidFill>
+                  <a:schemeClr val="tx1"/>
+                </a:solidFill>
+                <a:latin typeface="+mn-lt"/>
+                <a:ea typeface="+mn-ea"/>
+                <a:cs typeface="+mn-cs"/>
+              </a:defRPr>
+            </a:lvl6pPr>
+            <a:lvl7pPr marL="2971800" indent="-228600" algn="l" defTabSz="914400" rtl="0" eaLnBrk="1" latinLnBrk="0" hangingPunct="1">
+              <a:lnSpc>
+                <a:spcPct val="90000"/>
+              </a:lnSpc>
+              <a:spcBef>
+                <a:spcPts val="500"/>
+              </a:spcBef>
+              <a:buFont typeface="Arial" panose="020B0604020202020204" pitchFamily="34" charset="0"/>
+              <a:buChar char="•"/>
+              <a:defRPr sz="1800" kern="1200">
+                <a:solidFill>
+                  <a:schemeClr val="tx1"/>
+                </a:solidFill>
+                <a:latin typeface="+mn-lt"/>
+                <a:ea typeface="+mn-ea"/>
+                <a:cs typeface="+mn-cs"/>
+              </a:defRPr>
+            </a:lvl7pPr>
+            <a:lvl8pPr marL="3429000" indent="-228600" algn="l" defTabSz="914400" rtl="0" eaLnBrk="1" latinLnBrk="0" hangingPunct="1">
+              <a:lnSpc>
+                <a:spcPct val="90000"/>
+              </a:lnSpc>
+              <a:spcBef>
+                <a:spcPts val="500"/>
+              </a:spcBef>
+              <a:buFont typeface="Arial" panose="020B0604020202020204" pitchFamily="34" charset="0"/>
+              <a:buChar char="•"/>
+              <a:defRPr sz="1800" kern="1200">
+                <a:solidFill>
+                  <a:schemeClr val="tx1"/>
+                </a:solidFill>
+                <a:latin typeface="+mn-lt"/>
+                <a:ea typeface="+mn-ea"/>
+                <a:cs typeface="+mn-cs"/>
+              </a:defRPr>
+            </a:lvl8pPr>
+            <a:lvl9pPr marL="3886200" indent="-228600" algn="l" defTabSz="914400" rtl="0" eaLnBrk="1" latinLnBrk="0" hangingPunct="1">
+              <a:lnSpc>
+                <a:spcPct val="90000"/>
+              </a:lnSpc>
+              <a:spcBef>
+                <a:spcPts val="500"/>
+              </a:spcBef>
+              <a:buFont typeface="Arial" panose="020B0604020202020204" pitchFamily="34" charset="0"/>
+              <a:buChar char="•"/>
+              <a:defRPr sz="1800" kern="1200">
+                <a:solidFill>
+                  <a:schemeClr val="tx1"/>
+                </a:solidFill>
+                <a:latin typeface="+mn-lt"/>
+                <a:ea typeface="+mn-ea"/>
+                <a:cs typeface="+mn-cs"/>
+              </a:defRPr>
+            </a:lvl9pPr>
+          </a:lstStyle>
+          <a:p>
+            <a:r>
+              <a:rPr lang="en-US" dirty="0">
+                <a:solidFill>
+                  <a:sysClr val="windowText" lastClr="000000"/>
+                </a:solidFill>
+              </a:rPr>
+              <a:t>STG:</a:t>
+            </a:r>
+          </a:p>
+        </p:txBody>
+      </p:sp>
+    </p:spTree>
+    <p:extLst>
+      <p:ext uri="{BB962C8B-B14F-4D97-AF65-F5344CB8AC3E}">
+        <p14:creationId xmlns:p14="http://schemas.microsoft.com/office/powerpoint/2010/main" val="3675877331"/>
+      </p:ext>
+    </p:extLst>
+  </p:cSld>
+  <p:clrMapOvr>
+    <a:masterClrMapping/>
+  </p:clrMapOvr>
+</p:sld>
+</file>
+
+<file path=ppt/slides/slide11.xml><?xml version="1.0" encoding="utf-8"?>
+<p:sld xmlns:a="http://schemas.openxmlformats.org/drawingml/2006/main" xmlns:r="http://schemas.openxmlformats.org/officeDocument/2006/relationships" xmlns:p="http://schemas.openxmlformats.org/presentationml/2006/main">
+  <p:cSld>
+    <p:spTree>
+      <p:nvGrpSpPr>
+        <p:cNvPr id="1" name=""/>
+        <p:cNvGrpSpPr/>
+        <p:nvPr/>
+      </p:nvGrpSpPr>
+      <p:grpSpPr>
+        <a:xfrm>
+          <a:off x="0" y="0"/>
+          <a:ext cx="0" cy="0"/>
+          <a:chOff x="0" y="0"/>
+          <a:chExt cx="0" cy="0"/>
+        </a:xfrm>
+      </p:grpSpPr>
+      <p:sp>
+        <p:nvSpPr>
+          <p:cNvPr id="2" name="Title 1">
+            <a:extLst>
+              <a:ext uri="{FF2B5EF4-FFF2-40B4-BE49-F238E27FC236}">
+                <a16:creationId xmlns:a16="http://schemas.microsoft.com/office/drawing/2014/main" id="{A12D93CA-E982-AD54-BDB2-1E957BAC8B9F}"/>
+              </a:ext>
+            </a:extLst>
+          </p:cNvPr>
+          <p:cNvSpPr>
+            <a:spLocks noGrp="1"/>
+          </p:cNvSpPr>
+          <p:nvPr>
+            <p:ph type="title"/>
+          </p:nvPr>
+        </p:nvSpPr>
+        <p:spPr/>
+        <p:txBody>
+          <a:bodyPr/>
+          <a:lstStyle/>
+          <a:p>
+            <a:r>
+              <a:rPr lang="en-US" dirty="0"/>
+              <a:t>Beta (Speech Masker, PFC)</a:t>
+            </a:r>
+          </a:p>
+        </p:txBody>
+      </p:sp>
+      <p:sp>
+        <p:nvSpPr>
+          <p:cNvPr id="3" name="Content Placeholder 2">
+            <a:extLst>
+              <a:ext uri="{FF2B5EF4-FFF2-40B4-BE49-F238E27FC236}">
+                <a16:creationId xmlns:a16="http://schemas.microsoft.com/office/drawing/2014/main" id="{C969D12E-422D-4448-613A-86CE44951EAC}"/>
+              </a:ext>
+            </a:extLst>
+          </p:cNvPr>
+          <p:cNvSpPr>
+            <a:spLocks noGrp="1"/>
+          </p:cNvSpPr>
+          <p:nvPr>
+            <p:ph idx="1"/>
+          </p:nvPr>
+        </p:nvSpPr>
+        <p:spPr/>
+        <p:txBody>
+          <a:bodyPr/>
+          <a:lstStyle/>
+          <a:p>
+            <a:endParaRPr lang="en-US"/>
+          </a:p>
+        </p:txBody>
+      </p:sp>
+    </p:spTree>
+    <p:extLst>
+      <p:ext uri="{BB962C8B-B14F-4D97-AF65-F5344CB8AC3E}">
+        <p14:creationId xmlns:p14="http://schemas.microsoft.com/office/powerpoint/2010/main" val="796855147"/>
+      </p:ext>
+    </p:extLst>
+  </p:cSld>
+  <p:clrMapOvr>
+    <a:masterClrMapping/>
+  </p:clrMapOvr>
+</p:sld>
+</file>
+
+<file path=ppt/slides/slide12.xml><?xml version="1.0" encoding="utf-8"?>
+<p:sld xmlns:a="http://schemas.openxmlformats.org/drawingml/2006/main" xmlns:r="http://schemas.openxmlformats.org/officeDocument/2006/relationships" xmlns:p="http://schemas.openxmlformats.org/presentationml/2006/main">
+  <p:cSld>
+    <p:spTree>
+      <p:nvGrpSpPr>
+        <p:cNvPr id="1" name=""/>
+        <p:cNvGrpSpPr/>
+        <p:nvPr/>
+      </p:nvGrpSpPr>
+      <p:grpSpPr>
+        <a:xfrm>
+          <a:off x="0" y="0"/>
+          <a:ext cx="0" cy="0"/>
+          <a:chOff x="0" y="0"/>
+          <a:chExt cx="0" cy="0"/>
+        </a:xfrm>
+      </p:grpSpPr>
+      <p:sp>
+        <p:nvSpPr>
+          <p:cNvPr id="2" name="Title 1">
+            <a:extLst>
+              <a:ext uri="{FF2B5EF4-FFF2-40B4-BE49-F238E27FC236}">
+                <a16:creationId xmlns:a16="http://schemas.microsoft.com/office/drawing/2014/main" id="{099AFE17-90D5-2BB8-1677-430E821FDCBA}"/>
+              </a:ext>
+            </a:extLst>
+          </p:cNvPr>
+          <p:cNvSpPr>
+            <a:spLocks noGrp="1"/>
+          </p:cNvSpPr>
+          <p:nvPr>
+            <p:ph type="title"/>
+          </p:nvPr>
+        </p:nvSpPr>
+        <p:spPr/>
+        <p:txBody>
+          <a:bodyPr/>
+          <a:lstStyle/>
+          <a:p>
+            <a:r>
+              <a:rPr lang="en-US" dirty="0"/>
+              <a:t>Beta (Speech Masker, STG)</a:t>
+            </a:r>
+          </a:p>
+        </p:txBody>
+      </p:sp>
+      <p:sp>
+        <p:nvSpPr>
+          <p:cNvPr id="3" name="Content Placeholder 2">
+            <a:extLst>
+              <a:ext uri="{FF2B5EF4-FFF2-40B4-BE49-F238E27FC236}">
+                <a16:creationId xmlns:a16="http://schemas.microsoft.com/office/drawing/2014/main" id="{2D09541F-F46F-55EF-8EEF-8BBE8CB0DEBA}"/>
+              </a:ext>
+            </a:extLst>
+          </p:cNvPr>
+          <p:cNvSpPr>
+            <a:spLocks noGrp="1"/>
+          </p:cNvSpPr>
+          <p:nvPr>
+            <p:ph idx="1"/>
+          </p:nvPr>
+        </p:nvSpPr>
+        <p:spPr/>
+        <p:txBody>
+          <a:bodyPr/>
+          <a:lstStyle/>
+          <a:p>
+            <a:endParaRPr lang="en-US"/>
+          </a:p>
+        </p:txBody>
+      </p:sp>
+    </p:spTree>
+    <p:extLst>
+      <p:ext uri="{BB962C8B-B14F-4D97-AF65-F5344CB8AC3E}">
+        <p14:creationId xmlns:p14="http://schemas.microsoft.com/office/powerpoint/2010/main" val="3460780340"/>
+      </p:ext>
+    </p:extLst>
+  </p:cSld>
+  <p:clrMapOvr>
+    <a:masterClrMapping/>
+  </p:clrMapOvr>
+</p:sld>
+</file>
+
+<file path=ppt/slides/slide13.xml><?xml version="1.0" encoding="utf-8"?>
+<p:sld xmlns:a="http://schemas.openxmlformats.org/drawingml/2006/main" xmlns:r="http://schemas.openxmlformats.org/officeDocument/2006/relationships" xmlns:p="http://schemas.openxmlformats.org/presentationml/2006/main">
+  <p:cSld>
+    <p:spTree>
+      <p:nvGrpSpPr>
+        <p:cNvPr id="1" name=""/>
+        <p:cNvGrpSpPr/>
+        <p:nvPr/>
+      </p:nvGrpSpPr>
+      <p:grpSpPr>
+        <a:xfrm>
+          <a:off x="0" y="0"/>
+          <a:ext cx="0" cy="0"/>
+          <a:chOff x="0" y="0"/>
+          <a:chExt cx="0" cy="0"/>
+        </a:xfrm>
+      </p:grpSpPr>
+      <p:sp>
+        <p:nvSpPr>
+          <p:cNvPr id="2" name="Title 1">
+            <a:extLst>
+              <a:ext uri="{FF2B5EF4-FFF2-40B4-BE49-F238E27FC236}">
+                <a16:creationId xmlns:a16="http://schemas.microsoft.com/office/drawing/2014/main" id="{ABE5F37D-63B1-1017-4406-FE139112599E}"/>
+              </a:ext>
+            </a:extLst>
+          </p:cNvPr>
+          <p:cNvSpPr>
+            <a:spLocks noGrp="1"/>
+          </p:cNvSpPr>
+          <p:nvPr>
+            <p:ph type="title"/>
+          </p:nvPr>
+        </p:nvSpPr>
+        <p:spPr/>
+        <p:txBody>
+          <a:bodyPr/>
+          <a:lstStyle/>
+          <a:p>
+            <a:r>
+              <a:rPr lang="en-US" dirty="0"/>
+              <a:t>Beta (Noise Masker, PFC)</a:t>
+            </a:r>
+          </a:p>
+        </p:txBody>
+      </p:sp>
+      <p:sp>
+        <p:nvSpPr>
+          <p:cNvPr id="3" name="Content Placeholder 2">
+            <a:extLst>
+              <a:ext uri="{FF2B5EF4-FFF2-40B4-BE49-F238E27FC236}">
+                <a16:creationId xmlns:a16="http://schemas.microsoft.com/office/drawing/2014/main" id="{7F385D36-D9C0-6FC8-CEBC-5FA13D75AA0A}"/>
+              </a:ext>
+            </a:extLst>
+          </p:cNvPr>
+          <p:cNvSpPr>
+            <a:spLocks noGrp="1"/>
+          </p:cNvSpPr>
+          <p:nvPr>
+            <p:ph idx="1"/>
+          </p:nvPr>
+        </p:nvSpPr>
+        <p:spPr/>
+        <p:txBody>
+          <a:bodyPr/>
+          <a:lstStyle/>
+          <a:p>
+            <a:endParaRPr lang="en-US"/>
+          </a:p>
+        </p:txBody>
+      </p:sp>
+    </p:spTree>
+    <p:extLst>
+      <p:ext uri="{BB962C8B-B14F-4D97-AF65-F5344CB8AC3E}">
+        <p14:creationId xmlns:p14="http://schemas.microsoft.com/office/powerpoint/2010/main" val="3186515013"/>
+      </p:ext>
+    </p:extLst>
+  </p:cSld>
+  <p:clrMapOvr>
+    <a:masterClrMapping/>
+  </p:clrMapOvr>
+</p:sld>
+</file>
+
+<file path=ppt/slides/slide14.xml><?xml version="1.0" encoding="utf-8"?>
+<p:sld xmlns:a="http://schemas.openxmlformats.org/drawingml/2006/main" xmlns:r="http://schemas.openxmlformats.org/officeDocument/2006/relationships" xmlns:p="http://schemas.openxmlformats.org/presentationml/2006/main">
+  <p:cSld>
+    <p:spTree>
+      <p:nvGrpSpPr>
+        <p:cNvPr id="1" name=""/>
+        <p:cNvGrpSpPr/>
+        <p:nvPr/>
+      </p:nvGrpSpPr>
+      <p:grpSpPr>
+        <a:xfrm>
+          <a:off x="0" y="0"/>
+          <a:ext cx="0" cy="0"/>
+          <a:chOff x="0" y="0"/>
+          <a:chExt cx="0" cy="0"/>
+        </a:xfrm>
+      </p:grpSpPr>
+      <p:sp>
+        <p:nvSpPr>
+          <p:cNvPr id="2" name="Title 1">
+            <a:extLst>
+              <a:ext uri="{FF2B5EF4-FFF2-40B4-BE49-F238E27FC236}">
+                <a16:creationId xmlns:a16="http://schemas.microsoft.com/office/drawing/2014/main" id="{B64AA2B6-949B-E739-A4B6-5696EAE922E3}"/>
+              </a:ext>
+            </a:extLst>
+          </p:cNvPr>
+          <p:cNvSpPr>
+            <a:spLocks noGrp="1"/>
+          </p:cNvSpPr>
+          <p:nvPr>
+            <p:ph type="title"/>
+          </p:nvPr>
+        </p:nvSpPr>
+        <p:spPr/>
+        <p:txBody>
+          <a:bodyPr/>
+          <a:lstStyle/>
+          <a:p>
+            <a:r>
+              <a:rPr lang="en-US" dirty="0"/>
+              <a:t>Beta (Noise Masker, STG)</a:t>
+            </a:r>
+          </a:p>
+        </p:txBody>
+      </p:sp>
+      <p:sp>
+        <p:nvSpPr>
+          <p:cNvPr id="3" name="Content Placeholder 2">
+            <a:extLst>
+              <a:ext uri="{FF2B5EF4-FFF2-40B4-BE49-F238E27FC236}">
+                <a16:creationId xmlns:a16="http://schemas.microsoft.com/office/drawing/2014/main" id="{BF67AD74-BC1A-14EE-9D12-4CCD6E95D9C3}"/>
+              </a:ext>
+            </a:extLst>
+          </p:cNvPr>
+          <p:cNvSpPr>
+            <a:spLocks noGrp="1"/>
+          </p:cNvSpPr>
+          <p:nvPr>
+            <p:ph idx="1"/>
+          </p:nvPr>
+        </p:nvSpPr>
+        <p:spPr/>
+        <p:txBody>
+          <a:bodyPr/>
+          <a:lstStyle/>
+          <a:p>
+            <a:endParaRPr lang="en-US"/>
+          </a:p>
+        </p:txBody>
+      </p:sp>
+    </p:spTree>
+    <p:extLst>
+      <p:ext uri="{BB962C8B-B14F-4D97-AF65-F5344CB8AC3E}">
+        <p14:creationId xmlns:p14="http://schemas.microsoft.com/office/powerpoint/2010/main" val="2596502372"/>
+      </p:ext>
+    </p:extLst>
+  </p:cSld>
+  <p:clrMapOvr>
+    <a:masterClrMapping/>
+  </p:clrMapOvr>
+</p:sld>
+</file>
+
+<file path=ppt/slides/slide15.xml><?xml version="1.0" encoding="utf-8"?>
+<p:sld xmlns:a="http://schemas.openxmlformats.org/drawingml/2006/main" xmlns:r="http://schemas.openxmlformats.org/officeDocument/2006/relationships" xmlns:p="http://schemas.openxmlformats.org/presentationml/2006/main">
+  <p:cSld>
+    <p:spTree>
+      <p:nvGrpSpPr>
+        <p:cNvPr id="1" name=""/>
+        <p:cNvGrpSpPr/>
+        <p:nvPr/>
+      </p:nvGrpSpPr>
+      <p:grpSpPr>
+        <a:xfrm>
+          <a:off x="0" y="0"/>
+          <a:ext cx="0" cy="0"/>
+          <a:chOff x="0" y="0"/>
+          <a:chExt cx="0" cy="0"/>
+        </a:xfrm>
+      </p:grpSpPr>
+      <p:sp>
+        <p:nvSpPr>
+          <p:cNvPr id="2" name="Title 1">
+            <a:extLst>
+              <a:ext uri="{FF2B5EF4-FFF2-40B4-BE49-F238E27FC236}">
+                <a16:creationId xmlns:a16="http://schemas.microsoft.com/office/drawing/2014/main" id="{5DAABEB0-E95E-92CE-F44C-6F37A5A588E6}"/>
+              </a:ext>
+            </a:extLst>
+          </p:cNvPr>
+          <p:cNvSpPr>
+            <a:spLocks noGrp="1"/>
+          </p:cNvSpPr>
+          <p:nvPr>
+            <p:ph type="title"/>
+          </p:nvPr>
+        </p:nvSpPr>
+        <p:spPr/>
+        <p:txBody>
+          <a:bodyPr/>
+          <a:lstStyle/>
+          <a:p>
+            <a:r>
+              <a:rPr lang="en-US" dirty="0"/>
+              <a:t>ANOVAs on Beta</a:t>
+            </a:r>
+          </a:p>
+        </p:txBody>
+      </p:sp>
+      <p:sp>
+        <p:nvSpPr>
+          <p:cNvPr id="3" name="Content Placeholder 2">
+            <a:extLst>
+              <a:ext uri="{FF2B5EF4-FFF2-40B4-BE49-F238E27FC236}">
+                <a16:creationId xmlns:a16="http://schemas.microsoft.com/office/drawing/2014/main" id="{8067636C-AD53-1204-369B-8403A92B09DE}"/>
+              </a:ext>
+            </a:extLst>
+          </p:cNvPr>
+          <p:cNvSpPr>
+            <a:spLocks noGrp="1"/>
+          </p:cNvSpPr>
+          <p:nvPr>
+            <p:ph idx="1"/>
+          </p:nvPr>
+        </p:nvSpPr>
+        <p:spPr>
+          <a:xfrm>
+            <a:off x="503999" y="1326600"/>
+            <a:ext cx="1128858" cy="649157"/>
+          </a:xfrm>
+        </p:spPr>
+        <p:txBody>
+          <a:bodyPr/>
+          <a:lstStyle/>
+          <a:p>
+            <a:r>
+              <a:rPr lang="en-US" dirty="0"/>
+              <a:t>PFC:</a:t>
+            </a:r>
+          </a:p>
+        </p:txBody>
+      </p:sp>
+      <p:sp>
+        <p:nvSpPr>
+          <p:cNvPr id="4" name="Content Placeholder 2">
+            <a:extLst>
+              <a:ext uri="{FF2B5EF4-FFF2-40B4-BE49-F238E27FC236}">
+                <a16:creationId xmlns:a16="http://schemas.microsoft.com/office/drawing/2014/main" id="{1521047D-6F37-F924-E278-85D92B6B2B82}"/>
+              </a:ext>
+            </a:extLst>
+          </p:cNvPr>
+          <p:cNvSpPr txBox="1">
+            <a:spLocks/>
+          </p:cNvSpPr>
+          <p:nvPr/>
+        </p:nvSpPr>
+        <p:spPr>
+          <a:xfrm>
+            <a:off x="503999" y="3045637"/>
+            <a:ext cx="1128858" cy="649157"/>
+          </a:xfrm>
+          <a:prstGeom prst="rect">
+            <a:avLst/>
+          </a:prstGeom>
+          <a:noFill/>
+          <a:ln>
+            <a:noFill/>
+          </a:ln>
+        </p:spPr>
+        <p:txBody>
+          <a:bodyPr lIns="0" tIns="0" rIns="0" bIns="0">
+            <a:normAutofit/>
+          </a:bodyPr>
+          <a:lstStyle>
+            <a:lvl1pPr rtl="0" hangingPunct="0">
+              <a:spcBef>
+                <a:spcPts val="1417"/>
+              </a:spcBef>
+              <a:spcAft>
+                <a:spcPts val="0"/>
+              </a:spcAft>
+              <a:tabLst/>
+              <a:defRPr lang="en-US" sz="3200" b="0" i="0" u="none" strike="noStrike" kern="1200" cap="none">
+                <a:ln>
+                  <a:noFill/>
+                </a:ln>
+                <a:highlight>
+                  <a:scrgbClr r="0" g="0" b="0">
+                    <a:alpha val="0"/>
+                  </a:scrgbClr>
+                </a:highlight>
+                <a:latin typeface="Liberation Sans" pitchFamily="18"/>
+              </a:defRPr>
+            </a:lvl1pPr>
+            <a:lvl2pPr marL="685800" indent="-228600" algn="l" defTabSz="914400" rtl="0" eaLnBrk="1" latinLnBrk="0" hangingPunct="1">
+              <a:lnSpc>
+                <a:spcPct val="90000"/>
+              </a:lnSpc>
+              <a:spcBef>
+                <a:spcPts val="500"/>
+              </a:spcBef>
+              <a:buFont typeface="Arial" panose="020B0604020202020204" pitchFamily="34" charset="0"/>
+              <a:buChar char="•"/>
+              <a:defRPr sz="2400" kern="1200">
+                <a:solidFill>
+                  <a:schemeClr val="tx1"/>
+                </a:solidFill>
+                <a:latin typeface="+mn-lt"/>
+                <a:ea typeface="+mn-ea"/>
+                <a:cs typeface="+mn-cs"/>
+              </a:defRPr>
+            </a:lvl2pPr>
+            <a:lvl3pPr marL="1143000" indent="-228600" algn="l" defTabSz="914400" rtl="0" eaLnBrk="1" latinLnBrk="0" hangingPunct="1">
+              <a:lnSpc>
+                <a:spcPct val="90000"/>
+              </a:lnSpc>
+              <a:spcBef>
+                <a:spcPts val="500"/>
+              </a:spcBef>
+              <a:buFont typeface="Arial" panose="020B0604020202020204" pitchFamily="34" charset="0"/>
+              <a:buChar char="•"/>
+              <a:defRPr sz="2000" kern="1200">
+                <a:solidFill>
+                  <a:schemeClr val="tx1"/>
+                </a:solidFill>
+                <a:latin typeface="+mn-lt"/>
+                <a:ea typeface="+mn-ea"/>
+                <a:cs typeface="+mn-cs"/>
+              </a:defRPr>
+            </a:lvl3pPr>
+            <a:lvl4pPr marL="1600200" indent="-228600" algn="l" defTabSz="914400" rtl="0" eaLnBrk="1" latinLnBrk="0" hangingPunct="1">
+              <a:lnSpc>
+                <a:spcPct val="90000"/>
+              </a:lnSpc>
+              <a:spcBef>
+                <a:spcPts val="500"/>
+              </a:spcBef>
+              <a:buFont typeface="Arial" panose="020B0604020202020204" pitchFamily="34" charset="0"/>
+              <a:buChar char="•"/>
+              <a:defRPr sz="1800" kern="1200">
+                <a:solidFill>
+                  <a:schemeClr val="tx1"/>
+                </a:solidFill>
+                <a:latin typeface="+mn-lt"/>
+                <a:ea typeface="+mn-ea"/>
+                <a:cs typeface="+mn-cs"/>
+              </a:defRPr>
+            </a:lvl4pPr>
+            <a:lvl5pPr marL="2057400" indent="-228600" algn="l" defTabSz="914400" rtl="0" eaLnBrk="1" latinLnBrk="0" hangingPunct="1">
+              <a:lnSpc>
+                <a:spcPct val="90000"/>
+              </a:lnSpc>
+              <a:spcBef>
+                <a:spcPts val="500"/>
+              </a:spcBef>
+              <a:buFont typeface="Arial" panose="020B0604020202020204" pitchFamily="34" charset="0"/>
+              <a:buChar char="•"/>
+              <a:defRPr sz="1800" kern="1200">
+                <a:solidFill>
+                  <a:schemeClr val="tx1"/>
+                </a:solidFill>
+                <a:latin typeface="+mn-lt"/>
+                <a:ea typeface="+mn-ea"/>
+                <a:cs typeface="+mn-cs"/>
+              </a:defRPr>
+            </a:lvl5pPr>
+            <a:lvl6pPr marL="2514600" indent="-228600" algn="l" defTabSz="914400" rtl="0" eaLnBrk="1" latinLnBrk="0" hangingPunct="1">
+              <a:lnSpc>
+                <a:spcPct val="90000"/>
+              </a:lnSpc>
+              <a:spcBef>
+                <a:spcPts val="500"/>
+              </a:spcBef>
+              <a:buFont typeface="Arial" panose="020B0604020202020204" pitchFamily="34" charset="0"/>
+              <a:buChar char="•"/>
+              <a:defRPr sz="1800" kern="1200">
+                <a:solidFill>
+                  <a:schemeClr val="tx1"/>
+                </a:solidFill>
+                <a:latin typeface="+mn-lt"/>
+                <a:ea typeface="+mn-ea"/>
+                <a:cs typeface="+mn-cs"/>
+              </a:defRPr>
+            </a:lvl6pPr>
+            <a:lvl7pPr marL="2971800" indent="-228600" algn="l" defTabSz="914400" rtl="0" eaLnBrk="1" latinLnBrk="0" hangingPunct="1">
+              <a:lnSpc>
+                <a:spcPct val="90000"/>
+              </a:lnSpc>
+              <a:spcBef>
+                <a:spcPts val="500"/>
+              </a:spcBef>
+              <a:buFont typeface="Arial" panose="020B0604020202020204" pitchFamily="34" charset="0"/>
+              <a:buChar char="•"/>
+              <a:defRPr sz="1800" kern="1200">
+                <a:solidFill>
+                  <a:schemeClr val="tx1"/>
+                </a:solidFill>
+                <a:latin typeface="+mn-lt"/>
+                <a:ea typeface="+mn-ea"/>
+                <a:cs typeface="+mn-cs"/>
+              </a:defRPr>
+            </a:lvl7pPr>
+            <a:lvl8pPr marL="3429000" indent="-228600" algn="l" defTabSz="914400" rtl="0" eaLnBrk="1" latinLnBrk="0" hangingPunct="1">
+              <a:lnSpc>
+                <a:spcPct val="90000"/>
+              </a:lnSpc>
+              <a:spcBef>
+                <a:spcPts val="500"/>
+              </a:spcBef>
+              <a:buFont typeface="Arial" panose="020B0604020202020204" pitchFamily="34" charset="0"/>
+              <a:buChar char="•"/>
+              <a:defRPr sz="1800" kern="1200">
+                <a:solidFill>
+                  <a:schemeClr val="tx1"/>
+                </a:solidFill>
+                <a:latin typeface="+mn-lt"/>
+                <a:ea typeface="+mn-ea"/>
+                <a:cs typeface="+mn-cs"/>
+              </a:defRPr>
+            </a:lvl8pPr>
+            <a:lvl9pPr marL="3886200" indent="-228600" algn="l" defTabSz="914400" rtl="0" eaLnBrk="1" latinLnBrk="0" hangingPunct="1">
+              <a:lnSpc>
+                <a:spcPct val="90000"/>
+              </a:lnSpc>
+              <a:spcBef>
+                <a:spcPts val="500"/>
+              </a:spcBef>
+              <a:buFont typeface="Arial" panose="020B0604020202020204" pitchFamily="34" charset="0"/>
+              <a:buChar char="•"/>
+              <a:defRPr sz="1800" kern="1200">
+                <a:solidFill>
+                  <a:schemeClr val="tx1"/>
+                </a:solidFill>
+                <a:latin typeface="+mn-lt"/>
+                <a:ea typeface="+mn-ea"/>
+                <a:cs typeface="+mn-cs"/>
+              </a:defRPr>
+            </a:lvl9pPr>
+          </a:lstStyle>
+          <a:p>
+            <a:r>
+              <a:rPr lang="en-US" dirty="0">
+                <a:solidFill>
+                  <a:sysClr val="windowText" lastClr="000000"/>
+                </a:solidFill>
+              </a:rPr>
+              <a:t>STG:</a:t>
+            </a:r>
+          </a:p>
+        </p:txBody>
+      </p:sp>
+    </p:spTree>
+    <p:extLst>
+      <p:ext uri="{BB962C8B-B14F-4D97-AF65-F5344CB8AC3E}">
+        <p14:creationId xmlns:p14="http://schemas.microsoft.com/office/powerpoint/2010/main" val="310665409"/>
+      </p:ext>
+    </p:extLst>
+  </p:cSld>
+  <p:clrMapOvr>
+    <a:masterClrMapping/>
+  </p:clrMapOvr>
+</p:sld>
+</file>
+
+<file path=ppt/slides/slide16.xml><?xml version="1.0" encoding="utf-8"?>
+<p:sld xmlns:a="http://schemas.openxmlformats.org/drawingml/2006/main" xmlns:r="http://schemas.openxmlformats.org/officeDocument/2006/relationships" xmlns:p="http://schemas.openxmlformats.org/presentationml/2006/main">
+  <p:cSld>
+    <p:spTree>
+      <p:nvGrpSpPr>
+        <p:cNvPr id="1" name=""/>
+        <p:cNvGrpSpPr/>
+        <p:nvPr/>
+      </p:nvGrpSpPr>
+      <p:grpSpPr>
+        <a:xfrm>
+          <a:off x="0" y="0"/>
+          <a:ext cx="0" cy="0"/>
+          <a:chOff x="0" y="0"/>
+          <a:chExt cx="0" cy="0"/>
+        </a:xfrm>
+      </p:grpSpPr>
+      <p:sp>
+        <p:nvSpPr>
+          <p:cNvPr id="2" name="Title 1">
+            <a:extLst>
+              <a:ext uri="{FF2B5EF4-FFF2-40B4-BE49-F238E27FC236}">
+                <a16:creationId xmlns:a16="http://schemas.microsoft.com/office/drawing/2014/main" id="{7FAEBC7A-C361-E4CD-1CF3-F466F6E28B49}"/>
+              </a:ext>
+            </a:extLst>
+          </p:cNvPr>
+          <p:cNvSpPr>
+            <a:spLocks noGrp="1"/>
+          </p:cNvSpPr>
+          <p:nvPr>
+            <p:ph type="title"/>
+          </p:nvPr>
+        </p:nvSpPr>
+        <p:spPr/>
+        <p:txBody>
+          <a:bodyPr/>
+          <a:lstStyle/>
+          <a:p>
+            <a:r>
+              <a:rPr lang="en-US" dirty="0"/>
+              <a:t>Mean </a:t>
+            </a:r>
+            <a:r>
+              <a:rPr lang="en-US" dirty="0" err="1"/>
+              <a:t>HbO</a:t>
+            </a:r>
+            <a:r>
+              <a:rPr lang="en-US" dirty="0"/>
+              <a:t> vs. Behavior</a:t>
+            </a:r>
+          </a:p>
+        </p:txBody>
+      </p:sp>
+      <p:sp>
+        <p:nvSpPr>
+          <p:cNvPr id="3" name="Content Placeholder 2">
+            <a:extLst>
+              <a:ext uri="{FF2B5EF4-FFF2-40B4-BE49-F238E27FC236}">
+                <a16:creationId xmlns:a16="http://schemas.microsoft.com/office/drawing/2014/main" id="{A96995B0-90E2-5AD3-B6BA-17A66B51CF95}"/>
+              </a:ext>
+            </a:extLst>
+          </p:cNvPr>
+          <p:cNvSpPr>
+            <a:spLocks noGrp="1"/>
+          </p:cNvSpPr>
+          <p:nvPr>
+            <p:ph idx="1"/>
+          </p:nvPr>
+        </p:nvSpPr>
+        <p:spPr/>
+        <p:txBody>
+          <a:bodyPr/>
+          <a:lstStyle/>
+          <a:p>
+            <a:endParaRPr lang="en-US"/>
+          </a:p>
+        </p:txBody>
+      </p:sp>
+    </p:spTree>
+    <p:extLst>
+      <p:ext uri="{BB962C8B-B14F-4D97-AF65-F5344CB8AC3E}">
+        <p14:creationId xmlns:p14="http://schemas.microsoft.com/office/powerpoint/2010/main" val="4138141288"/>
+      </p:ext>
+    </p:extLst>
+  </p:cSld>
+  <p:clrMapOvr>
+    <a:masterClrMapping/>
+  </p:clrMapOvr>
+</p:sld>
+</file>
+
+<file path=ppt/slides/slide17.xml><?xml version="1.0" encoding="utf-8"?>
+<p:sld xmlns:a="http://schemas.openxmlformats.org/drawingml/2006/main" xmlns:r="http://schemas.openxmlformats.org/officeDocument/2006/relationships" xmlns:p="http://schemas.openxmlformats.org/presentationml/2006/main">
+  <p:cSld>
+    <p:spTree>
+      <p:nvGrpSpPr>
+        <p:cNvPr id="1" name=""/>
+        <p:cNvGrpSpPr/>
+        <p:nvPr/>
+      </p:nvGrpSpPr>
+      <p:grpSpPr>
+        <a:xfrm>
+          <a:off x="0" y="0"/>
+          <a:ext cx="0" cy="0"/>
+          <a:chOff x="0" y="0"/>
+          <a:chExt cx="0" cy="0"/>
+        </a:xfrm>
+      </p:grpSpPr>
+      <p:sp>
+        <p:nvSpPr>
+          <p:cNvPr id="2" name="Title 1">
+            <a:extLst>
+              <a:ext uri="{FF2B5EF4-FFF2-40B4-BE49-F238E27FC236}">
+                <a16:creationId xmlns:a16="http://schemas.microsoft.com/office/drawing/2014/main" id="{77133182-7705-7F90-A3BF-AB899AB584A6}"/>
+              </a:ext>
+            </a:extLst>
+          </p:cNvPr>
+          <p:cNvSpPr>
+            <a:spLocks noGrp="1"/>
+          </p:cNvSpPr>
+          <p:nvPr>
+            <p:ph type="title"/>
+          </p:nvPr>
+        </p:nvSpPr>
+        <p:spPr/>
+        <p:txBody>
+          <a:bodyPr/>
+          <a:lstStyle/>
+          <a:p>
+            <a:r>
+              <a:rPr lang="en-US" dirty="0"/>
+              <a:t>Beta vs. Behavior</a:t>
+            </a:r>
+          </a:p>
+        </p:txBody>
+      </p:sp>
+      <p:sp>
+        <p:nvSpPr>
+          <p:cNvPr id="3" name="Content Placeholder 2">
+            <a:extLst>
+              <a:ext uri="{FF2B5EF4-FFF2-40B4-BE49-F238E27FC236}">
+                <a16:creationId xmlns:a16="http://schemas.microsoft.com/office/drawing/2014/main" id="{077F1C89-2837-4637-93A4-9F4F75AE790D}"/>
+              </a:ext>
+            </a:extLst>
+          </p:cNvPr>
+          <p:cNvSpPr>
+            <a:spLocks noGrp="1"/>
+          </p:cNvSpPr>
+          <p:nvPr>
+            <p:ph idx="1"/>
+          </p:nvPr>
+        </p:nvSpPr>
+        <p:spPr/>
+        <p:txBody>
+          <a:bodyPr/>
+          <a:lstStyle/>
+          <a:p>
+            <a:endParaRPr lang="en-US"/>
+          </a:p>
+        </p:txBody>
+      </p:sp>
+    </p:spTree>
+    <p:extLst>
+      <p:ext uri="{BB962C8B-B14F-4D97-AF65-F5344CB8AC3E}">
+        <p14:creationId xmlns:p14="http://schemas.microsoft.com/office/powerpoint/2010/main" val="3324728430"/>
+      </p:ext>
+    </p:extLst>
+  </p:cSld>
+  <p:clrMapOvr>
+    <a:masterClrMapping/>
+  </p:clrMapOvr>
+</p:sld>
+</file>
+
+<file path=ppt/slides/slide18.xml><?xml version="1.0" encoding="utf-8"?>
+<p:sld xmlns:a="http://schemas.openxmlformats.org/drawingml/2006/main" xmlns:r="http://schemas.openxmlformats.org/officeDocument/2006/relationships" xmlns:p="http://schemas.openxmlformats.org/presentationml/2006/main">
+  <p:cSld name="page11">
+    <p:spTree>
+      <p:nvGrpSpPr>
+        <p:cNvPr id="1" name=""/>
+        <p:cNvGrpSpPr/>
+        <p:nvPr/>
+      </p:nvGrpSpPr>
+      <p:grpSpPr>
+        <a:xfrm>
+          <a:off x="0" y="0"/>
+          <a:ext cx="0" cy="0"/>
+          <a:chOff x="0" y="0"/>
+          <a:chExt cx="0" cy="0"/>
+        </a:xfrm>
+      </p:grpSpPr>
+      <p:sp>
+        <p:nvSpPr>
+          <p:cNvPr id="2" name="Title 1">
+            <a:extLst>
+              <a:ext uri="{FF2B5EF4-FFF2-40B4-BE49-F238E27FC236}">
+                <a16:creationId xmlns:a16="http://schemas.microsoft.com/office/drawing/2014/main" id="{342813F2-1563-B48A-6E19-670E990C9B4A}"/>
+              </a:ext>
+            </a:extLst>
+          </p:cNvPr>
+          <p:cNvSpPr txBox="1">
+            <a:spLocks noGrp="1"/>
+          </p:cNvSpPr>
+          <p:nvPr>
+            <p:ph type="title" idx="4294967295"/>
+          </p:nvPr>
+        </p:nvSpPr>
+        <p:spPr>
+          <a:xfrm>
+            <a:off x="503999" y="74160"/>
+            <a:ext cx="9071640" cy="1250280"/>
+          </a:xfrm>
+        </p:spPr>
+        <p:txBody>
+          <a:bodyPr vert="horz"/>
+          <a:lstStyle/>
+          <a:p>
+            <a:pPr lvl="0"/>
+            <a:r>
+              <a:rPr lang="en-US"/>
+              <a:t>EEG Project status of pilot/considerations</a:t>
+            </a:r>
+          </a:p>
+        </p:txBody>
+      </p:sp>
+      <p:sp>
+        <p:nvSpPr>
+          <p:cNvPr id="3" name="Text Placeholder 2">
+            <a:extLst>
+              <a:ext uri="{FF2B5EF4-FFF2-40B4-BE49-F238E27FC236}">
+                <a16:creationId xmlns:a16="http://schemas.microsoft.com/office/drawing/2014/main" id="{F6A807AE-B7D6-700A-B67A-0611DF68AE94}"/>
+              </a:ext>
+            </a:extLst>
+          </p:cNvPr>
+          <p:cNvSpPr txBox="1">
+            <a:spLocks noGrp="1"/>
+          </p:cNvSpPr>
+          <p:nvPr>
+            <p:ph type="body" idx="4294967295"/>
+          </p:nvPr>
+        </p:nvSpPr>
+        <p:spPr>
+          <a:xfrm>
+            <a:off x="503999" y="1512360"/>
+            <a:ext cx="9071640" cy="3288239"/>
+          </a:xfrm>
+        </p:spPr>
+        <p:txBody>
+          <a:bodyPr vert="horz"/>
+          <a:lstStyle/>
+          <a:p>
+            <a:r>
+              <a:rPr lang="en-US" dirty="0"/>
+              <a:t>Bash dash gash</a:t>
+            </a:r>
+          </a:p>
+          <a:p>
+            <a:r>
+              <a:rPr lang="en-US" dirty="0"/>
+              <a:t>Bust dust gust</a:t>
+            </a:r>
+          </a:p>
+          <a:p>
+            <a:r>
+              <a:rPr lang="en-US" dirty="0"/>
+              <a:t>Bunk gunk dunk</a:t>
+            </a:r>
+          </a:p>
+          <a:p>
+            <a:r>
+              <a:rPr lang="en-US" dirty="0"/>
+              <a:t>Bays gaze days</a:t>
+            </a:r>
+          </a:p>
+        </p:txBody>
+      </p:sp>
+    </p:spTree>
+  </p:cSld>
+  <p:clrMapOvr>
+    <a:masterClrMapping/>
+  </p:clrMapOvr>
+</p:sld>
+</file>
+
 <file path=ppt/slides/slide2.xml><?xml version="1.0" encoding="utf-8"?>
 <p:sld xmlns:a="http://schemas.openxmlformats.org/drawingml/2006/main" xmlns:r="http://schemas.openxmlformats.org/officeDocument/2006/relationships" xmlns:p="http://schemas.openxmlformats.org/presentationml/2006/main">
   <p:cSld name="page2">
@@ -4881,7 +6121,7 @@
         </p:blipFill>
         <p:spPr>
           <a:xfrm>
-            <a:off x="6853656" y="769443"/>
+            <a:off x="6853656" y="696388"/>
             <a:ext cx="3174582" cy="4802712"/>
           </a:xfrm>
           <a:prstGeom prst="rect">
@@ -4929,7 +6169,7 @@
 
 <file path=ppt/slides/slide4.xml><?xml version="1.0" encoding="utf-8"?>
 <p:sld xmlns:a="http://schemas.openxmlformats.org/drawingml/2006/main" xmlns:r="http://schemas.openxmlformats.org/officeDocument/2006/relationships" xmlns:p="http://schemas.openxmlformats.org/presentationml/2006/main">
-  <p:cSld name="page11">
+  <p:cSld>
     <p:spTree>
       <p:nvGrpSpPr>
         <p:cNvPr id="1" name=""/>
@@ -4949,87 +6189,507 @@
           <p:cNvPr id="2" name="Title 1">
             <a:extLst>
               <a:ext uri="{FF2B5EF4-FFF2-40B4-BE49-F238E27FC236}">
-                <a16:creationId xmlns:a16="http://schemas.microsoft.com/office/drawing/2014/main" id="{342813F2-1563-B48A-6E19-670E990C9B4A}"/>
-              </a:ext>
-            </a:extLst>
-          </p:cNvPr>
-          <p:cNvSpPr txBox="1">
-            <a:spLocks noGrp="1"/>
-          </p:cNvSpPr>
-          <p:nvPr>
-            <p:ph type="title" idx="4294967295"/>
-          </p:nvPr>
-        </p:nvSpPr>
-        <p:spPr>
-          <a:xfrm>
-            <a:off x="503999" y="74160"/>
-            <a:ext cx="9071640" cy="1250280"/>
-          </a:xfrm>
-        </p:spPr>
-        <p:txBody>
-          <a:bodyPr vert="horz"/>
-          <a:lstStyle/>
-          <a:p>
-            <a:pPr lvl="0"/>
-            <a:r>
-              <a:rPr lang="en-US"/>
-              <a:t>EEG Project status of pilot/considerations</a:t>
-            </a:r>
-          </a:p>
-        </p:txBody>
-      </p:sp>
-      <p:sp>
-        <p:nvSpPr>
-          <p:cNvPr id="3" name="Text Placeholder 2">
-            <a:extLst>
-              <a:ext uri="{FF2B5EF4-FFF2-40B4-BE49-F238E27FC236}">
-                <a16:creationId xmlns:a16="http://schemas.microsoft.com/office/drawing/2014/main" id="{F6A807AE-B7D6-700A-B67A-0611DF68AE94}"/>
-              </a:ext>
-            </a:extLst>
-          </p:cNvPr>
-          <p:cNvSpPr txBox="1">
-            <a:spLocks noGrp="1"/>
-          </p:cNvSpPr>
-          <p:nvPr>
-            <p:ph type="body" idx="4294967295"/>
-          </p:nvPr>
-        </p:nvSpPr>
-        <p:spPr>
-          <a:xfrm>
-            <a:off x="503999" y="1512360"/>
-            <a:ext cx="9071640" cy="3288239"/>
-          </a:xfrm>
-        </p:spPr>
-        <p:txBody>
-          <a:bodyPr vert="horz"/>
+                <a16:creationId xmlns:a16="http://schemas.microsoft.com/office/drawing/2014/main" id="{96AE0FDB-477F-4E18-9F20-34981E575FA8}"/>
+              </a:ext>
+            </a:extLst>
+          </p:cNvPr>
+          <p:cNvSpPr>
+            <a:spLocks noGrp="1"/>
+          </p:cNvSpPr>
+          <p:nvPr>
+            <p:ph type="title"/>
+          </p:nvPr>
+        </p:nvSpPr>
+        <p:spPr/>
+        <p:txBody>
+          <a:bodyPr/>
           <a:lstStyle/>
           <a:p>
             <a:r>
               <a:rPr lang="en-US" dirty="0"/>
-              <a:t>Bash dash gash</a:t>
-            </a:r>
-          </a:p>
+              <a:t>ANOVA on d-prime (just speech masker)</a:t>
+            </a:r>
+          </a:p>
+        </p:txBody>
+      </p:sp>
+      <p:sp>
+        <p:nvSpPr>
+          <p:cNvPr id="3" name="Content Placeholder 2">
+            <a:extLst>
+              <a:ext uri="{FF2B5EF4-FFF2-40B4-BE49-F238E27FC236}">
+                <a16:creationId xmlns:a16="http://schemas.microsoft.com/office/drawing/2014/main" id="{A85890A7-1084-CB68-135F-A87E4E0CF80A}"/>
+              </a:ext>
+            </a:extLst>
+          </p:cNvPr>
+          <p:cNvSpPr>
+            <a:spLocks noGrp="1"/>
+          </p:cNvSpPr>
+          <p:nvPr>
+            <p:ph idx="1"/>
+          </p:nvPr>
+        </p:nvSpPr>
+        <p:spPr/>
+        <p:txBody>
+          <a:bodyPr/>
+          <a:lstStyle/>
+          <a:p>
+            <a:endParaRPr lang="en-US"/>
+          </a:p>
+        </p:txBody>
+      </p:sp>
+    </p:spTree>
+    <p:extLst>
+      <p:ext uri="{BB962C8B-B14F-4D97-AF65-F5344CB8AC3E}">
+        <p14:creationId xmlns:p14="http://schemas.microsoft.com/office/powerpoint/2010/main" val="2230107591"/>
+      </p:ext>
+    </p:extLst>
+  </p:cSld>
+  <p:clrMapOvr>
+    <a:masterClrMapping/>
+  </p:clrMapOvr>
+</p:sld>
+</file>
+
+<file path=ppt/slides/slide5.xml><?xml version="1.0" encoding="utf-8"?>
+<p:sld xmlns:a="http://schemas.openxmlformats.org/drawingml/2006/main" xmlns:r="http://schemas.openxmlformats.org/officeDocument/2006/relationships" xmlns:p="http://schemas.openxmlformats.org/presentationml/2006/main">
+  <p:cSld>
+    <p:spTree>
+      <p:nvGrpSpPr>
+        <p:cNvPr id="1" name=""/>
+        <p:cNvGrpSpPr/>
+        <p:nvPr/>
+      </p:nvGrpSpPr>
+      <p:grpSpPr>
+        <a:xfrm>
+          <a:off x="0" y="0"/>
+          <a:ext cx="0" cy="0"/>
+          <a:chOff x="0" y="0"/>
+          <a:chExt cx="0" cy="0"/>
+        </a:xfrm>
+      </p:grpSpPr>
+      <p:sp>
+        <p:nvSpPr>
+          <p:cNvPr id="2" name="Title 1">
+            <a:extLst>
+              <a:ext uri="{FF2B5EF4-FFF2-40B4-BE49-F238E27FC236}">
+                <a16:creationId xmlns:a16="http://schemas.microsoft.com/office/drawing/2014/main" id="{83B30A1E-BD7E-5188-C0EE-DBD56CB4D121}"/>
+              </a:ext>
+            </a:extLst>
+          </p:cNvPr>
+          <p:cNvSpPr>
+            <a:spLocks noGrp="1"/>
+          </p:cNvSpPr>
+          <p:nvPr>
+            <p:ph type="title"/>
+          </p:nvPr>
+        </p:nvSpPr>
+        <p:spPr/>
+        <p:txBody>
+          <a:bodyPr/>
+          <a:lstStyle/>
           <a:p>
             <a:r>
               <a:rPr lang="en-US" dirty="0"/>
-              <a:t>Bust dust gust</a:t>
-            </a:r>
-          </a:p>
+              <a:t>ANOVA on hit rate</a:t>
+            </a:r>
+          </a:p>
+        </p:txBody>
+      </p:sp>
+      <p:sp>
+        <p:nvSpPr>
+          <p:cNvPr id="3" name="Content Placeholder 2">
+            <a:extLst>
+              <a:ext uri="{FF2B5EF4-FFF2-40B4-BE49-F238E27FC236}">
+                <a16:creationId xmlns:a16="http://schemas.microsoft.com/office/drawing/2014/main" id="{63E292D8-4E5E-940B-4D15-60C7507876F2}"/>
+              </a:ext>
+            </a:extLst>
+          </p:cNvPr>
+          <p:cNvSpPr>
+            <a:spLocks noGrp="1"/>
+          </p:cNvSpPr>
+          <p:nvPr>
+            <p:ph idx="1"/>
+          </p:nvPr>
+        </p:nvSpPr>
+        <p:spPr/>
+        <p:txBody>
+          <a:bodyPr/>
+          <a:lstStyle/>
+          <a:p>
+            <a:endParaRPr lang="en-US"/>
+          </a:p>
+        </p:txBody>
+      </p:sp>
+    </p:spTree>
+    <p:extLst>
+      <p:ext uri="{BB962C8B-B14F-4D97-AF65-F5344CB8AC3E}">
+        <p14:creationId xmlns:p14="http://schemas.microsoft.com/office/powerpoint/2010/main" val="1141357266"/>
+      </p:ext>
+    </p:extLst>
+  </p:cSld>
+  <p:clrMapOvr>
+    <a:masterClrMapping/>
+  </p:clrMapOvr>
+</p:sld>
+</file>
+
+<file path=ppt/slides/slide6.xml><?xml version="1.0" encoding="utf-8"?>
+<p:sld xmlns:a="http://schemas.openxmlformats.org/drawingml/2006/main" xmlns:r="http://schemas.openxmlformats.org/officeDocument/2006/relationships" xmlns:p="http://schemas.openxmlformats.org/presentationml/2006/main">
+  <p:cSld>
+    <p:spTree>
+      <p:nvGrpSpPr>
+        <p:cNvPr id="1" name=""/>
+        <p:cNvGrpSpPr/>
+        <p:nvPr/>
+      </p:nvGrpSpPr>
+      <p:grpSpPr>
+        <a:xfrm>
+          <a:off x="0" y="0"/>
+          <a:ext cx="0" cy="0"/>
+          <a:chOff x="0" y="0"/>
+          <a:chExt cx="0" cy="0"/>
+        </a:xfrm>
+      </p:grpSpPr>
+      <p:sp>
+        <p:nvSpPr>
+          <p:cNvPr id="2" name="Title 1">
+            <a:extLst>
+              <a:ext uri="{FF2B5EF4-FFF2-40B4-BE49-F238E27FC236}">
+                <a16:creationId xmlns:a16="http://schemas.microsoft.com/office/drawing/2014/main" id="{A12D93CA-E982-AD54-BDB2-1E957BAC8B9F}"/>
+              </a:ext>
+            </a:extLst>
+          </p:cNvPr>
+          <p:cNvSpPr>
+            <a:spLocks noGrp="1"/>
+          </p:cNvSpPr>
+          <p:nvPr>
+            <p:ph type="title"/>
+          </p:nvPr>
+        </p:nvSpPr>
+        <p:spPr/>
+        <p:txBody>
+          <a:bodyPr/>
+          <a:lstStyle/>
           <a:p>
             <a:r>
               <a:rPr lang="en-US" dirty="0"/>
-              <a:t>Bunk gunk dunk</a:t>
-            </a:r>
-          </a:p>
-          <a:p>
+              <a:t>Mean </a:t>
+            </a:r>
+            <a:r>
+              <a:rPr lang="en-US" dirty="0" err="1"/>
+              <a:t>HbO</a:t>
+            </a:r>
             <a:r>
               <a:rPr lang="en-US" dirty="0"/>
-              <a:t>Bays gaze days</a:t>
-            </a:r>
+              <a:t> (Speech Masker, PFC)</a:t>
+            </a:r>
+          </a:p>
+        </p:txBody>
+      </p:sp>
+      <p:sp>
+        <p:nvSpPr>
+          <p:cNvPr id="3" name="Content Placeholder 2">
+            <a:extLst>
+              <a:ext uri="{FF2B5EF4-FFF2-40B4-BE49-F238E27FC236}">
+                <a16:creationId xmlns:a16="http://schemas.microsoft.com/office/drawing/2014/main" id="{C969D12E-422D-4448-613A-86CE44951EAC}"/>
+              </a:ext>
+            </a:extLst>
+          </p:cNvPr>
+          <p:cNvSpPr>
+            <a:spLocks noGrp="1"/>
+          </p:cNvSpPr>
+          <p:nvPr>
+            <p:ph idx="1"/>
+          </p:nvPr>
+        </p:nvSpPr>
+        <p:spPr/>
+        <p:txBody>
+          <a:bodyPr/>
+          <a:lstStyle/>
+          <a:p>
+            <a:endParaRPr lang="en-US"/>
           </a:p>
         </p:txBody>
       </p:sp>
     </p:spTree>
+    <p:extLst>
+      <p:ext uri="{BB962C8B-B14F-4D97-AF65-F5344CB8AC3E}">
+        <p14:creationId xmlns:p14="http://schemas.microsoft.com/office/powerpoint/2010/main" val="2069322942"/>
+      </p:ext>
+    </p:extLst>
+  </p:cSld>
+  <p:clrMapOvr>
+    <a:masterClrMapping/>
+  </p:clrMapOvr>
+</p:sld>
+</file>
+
+<file path=ppt/slides/slide7.xml><?xml version="1.0" encoding="utf-8"?>
+<p:sld xmlns:a="http://schemas.openxmlformats.org/drawingml/2006/main" xmlns:r="http://schemas.openxmlformats.org/officeDocument/2006/relationships" xmlns:p="http://schemas.openxmlformats.org/presentationml/2006/main">
+  <p:cSld>
+    <p:spTree>
+      <p:nvGrpSpPr>
+        <p:cNvPr id="1" name=""/>
+        <p:cNvGrpSpPr/>
+        <p:nvPr/>
+      </p:nvGrpSpPr>
+      <p:grpSpPr>
+        <a:xfrm>
+          <a:off x="0" y="0"/>
+          <a:ext cx="0" cy="0"/>
+          <a:chOff x="0" y="0"/>
+          <a:chExt cx="0" cy="0"/>
+        </a:xfrm>
+      </p:grpSpPr>
+      <p:sp>
+        <p:nvSpPr>
+          <p:cNvPr id="2" name="Title 1">
+            <a:extLst>
+              <a:ext uri="{FF2B5EF4-FFF2-40B4-BE49-F238E27FC236}">
+                <a16:creationId xmlns:a16="http://schemas.microsoft.com/office/drawing/2014/main" id="{099AFE17-90D5-2BB8-1677-430E821FDCBA}"/>
+              </a:ext>
+            </a:extLst>
+          </p:cNvPr>
+          <p:cNvSpPr>
+            <a:spLocks noGrp="1"/>
+          </p:cNvSpPr>
+          <p:nvPr>
+            <p:ph type="title"/>
+          </p:nvPr>
+        </p:nvSpPr>
+        <p:spPr/>
+        <p:txBody>
+          <a:bodyPr/>
+          <a:lstStyle/>
+          <a:p>
+            <a:r>
+              <a:rPr lang="en-US" dirty="0"/>
+              <a:t>Mean </a:t>
+            </a:r>
+            <a:r>
+              <a:rPr lang="en-US" dirty="0" err="1"/>
+              <a:t>HbO</a:t>
+            </a:r>
+            <a:r>
+              <a:rPr lang="en-US" dirty="0"/>
+              <a:t> (Speech Masker, STG)</a:t>
+            </a:r>
+          </a:p>
+        </p:txBody>
+      </p:sp>
+      <p:sp>
+        <p:nvSpPr>
+          <p:cNvPr id="3" name="Content Placeholder 2">
+            <a:extLst>
+              <a:ext uri="{FF2B5EF4-FFF2-40B4-BE49-F238E27FC236}">
+                <a16:creationId xmlns:a16="http://schemas.microsoft.com/office/drawing/2014/main" id="{2D09541F-F46F-55EF-8EEF-8BBE8CB0DEBA}"/>
+              </a:ext>
+            </a:extLst>
+          </p:cNvPr>
+          <p:cNvSpPr>
+            <a:spLocks noGrp="1"/>
+          </p:cNvSpPr>
+          <p:nvPr>
+            <p:ph idx="1"/>
+          </p:nvPr>
+        </p:nvSpPr>
+        <p:spPr/>
+        <p:txBody>
+          <a:bodyPr/>
+          <a:lstStyle/>
+          <a:p>
+            <a:endParaRPr lang="en-US"/>
+          </a:p>
+        </p:txBody>
+      </p:sp>
+    </p:spTree>
+    <p:extLst>
+      <p:ext uri="{BB962C8B-B14F-4D97-AF65-F5344CB8AC3E}">
+        <p14:creationId xmlns:p14="http://schemas.microsoft.com/office/powerpoint/2010/main" val="3016250881"/>
+      </p:ext>
+    </p:extLst>
+  </p:cSld>
+  <p:clrMapOvr>
+    <a:masterClrMapping/>
+  </p:clrMapOvr>
+</p:sld>
+</file>
+
+<file path=ppt/slides/slide8.xml><?xml version="1.0" encoding="utf-8"?>
+<p:sld xmlns:a="http://schemas.openxmlformats.org/drawingml/2006/main" xmlns:r="http://schemas.openxmlformats.org/officeDocument/2006/relationships" xmlns:p="http://schemas.openxmlformats.org/presentationml/2006/main">
+  <p:cSld>
+    <p:spTree>
+      <p:nvGrpSpPr>
+        <p:cNvPr id="1" name=""/>
+        <p:cNvGrpSpPr/>
+        <p:nvPr/>
+      </p:nvGrpSpPr>
+      <p:grpSpPr>
+        <a:xfrm>
+          <a:off x="0" y="0"/>
+          <a:ext cx="0" cy="0"/>
+          <a:chOff x="0" y="0"/>
+          <a:chExt cx="0" cy="0"/>
+        </a:xfrm>
+      </p:grpSpPr>
+      <p:sp>
+        <p:nvSpPr>
+          <p:cNvPr id="2" name="Title 1">
+            <a:extLst>
+              <a:ext uri="{FF2B5EF4-FFF2-40B4-BE49-F238E27FC236}">
+                <a16:creationId xmlns:a16="http://schemas.microsoft.com/office/drawing/2014/main" id="{ABE5F37D-63B1-1017-4406-FE139112599E}"/>
+              </a:ext>
+            </a:extLst>
+          </p:cNvPr>
+          <p:cNvSpPr>
+            <a:spLocks noGrp="1"/>
+          </p:cNvSpPr>
+          <p:nvPr>
+            <p:ph type="title"/>
+          </p:nvPr>
+        </p:nvSpPr>
+        <p:spPr/>
+        <p:txBody>
+          <a:bodyPr/>
+          <a:lstStyle/>
+          <a:p>
+            <a:r>
+              <a:rPr lang="en-US" dirty="0"/>
+              <a:t>Mean </a:t>
+            </a:r>
+            <a:r>
+              <a:rPr lang="en-US" dirty="0" err="1"/>
+              <a:t>HbO</a:t>
+            </a:r>
+            <a:r>
+              <a:rPr lang="en-US" dirty="0"/>
+              <a:t> (Noise Masker, PFC)</a:t>
+            </a:r>
+          </a:p>
+        </p:txBody>
+      </p:sp>
+      <p:sp>
+        <p:nvSpPr>
+          <p:cNvPr id="3" name="Content Placeholder 2">
+            <a:extLst>
+              <a:ext uri="{FF2B5EF4-FFF2-40B4-BE49-F238E27FC236}">
+                <a16:creationId xmlns:a16="http://schemas.microsoft.com/office/drawing/2014/main" id="{7F385D36-D9C0-6FC8-CEBC-5FA13D75AA0A}"/>
+              </a:ext>
+            </a:extLst>
+          </p:cNvPr>
+          <p:cNvSpPr>
+            <a:spLocks noGrp="1"/>
+          </p:cNvSpPr>
+          <p:nvPr>
+            <p:ph idx="1"/>
+          </p:nvPr>
+        </p:nvSpPr>
+        <p:spPr/>
+        <p:txBody>
+          <a:bodyPr/>
+          <a:lstStyle/>
+          <a:p>
+            <a:endParaRPr lang="en-US" dirty="0"/>
+          </a:p>
+        </p:txBody>
+      </p:sp>
+    </p:spTree>
+    <p:extLst>
+      <p:ext uri="{BB962C8B-B14F-4D97-AF65-F5344CB8AC3E}">
+        <p14:creationId xmlns:p14="http://schemas.microsoft.com/office/powerpoint/2010/main" val="1033070756"/>
+      </p:ext>
+    </p:extLst>
+  </p:cSld>
+  <p:clrMapOvr>
+    <a:masterClrMapping/>
+  </p:clrMapOvr>
+</p:sld>
+</file>
+
+<file path=ppt/slides/slide9.xml><?xml version="1.0" encoding="utf-8"?>
+<p:sld xmlns:a="http://schemas.openxmlformats.org/drawingml/2006/main" xmlns:r="http://schemas.openxmlformats.org/officeDocument/2006/relationships" xmlns:p="http://schemas.openxmlformats.org/presentationml/2006/main">
+  <p:cSld>
+    <p:spTree>
+      <p:nvGrpSpPr>
+        <p:cNvPr id="1" name=""/>
+        <p:cNvGrpSpPr/>
+        <p:nvPr/>
+      </p:nvGrpSpPr>
+      <p:grpSpPr>
+        <a:xfrm>
+          <a:off x="0" y="0"/>
+          <a:ext cx="0" cy="0"/>
+          <a:chOff x="0" y="0"/>
+          <a:chExt cx="0" cy="0"/>
+        </a:xfrm>
+      </p:grpSpPr>
+      <p:sp>
+        <p:nvSpPr>
+          <p:cNvPr id="2" name="Title 1">
+            <a:extLst>
+              <a:ext uri="{FF2B5EF4-FFF2-40B4-BE49-F238E27FC236}">
+                <a16:creationId xmlns:a16="http://schemas.microsoft.com/office/drawing/2014/main" id="{B64AA2B6-949B-E739-A4B6-5696EAE922E3}"/>
+              </a:ext>
+            </a:extLst>
+          </p:cNvPr>
+          <p:cNvSpPr>
+            <a:spLocks noGrp="1"/>
+          </p:cNvSpPr>
+          <p:nvPr>
+            <p:ph type="title"/>
+          </p:nvPr>
+        </p:nvSpPr>
+        <p:spPr/>
+        <p:txBody>
+          <a:bodyPr/>
+          <a:lstStyle/>
+          <a:p>
+            <a:r>
+              <a:rPr lang="en-US" dirty="0"/>
+              <a:t>Mean </a:t>
+            </a:r>
+            <a:r>
+              <a:rPr lang="en-US" dirty="0" err="1"/>
+              <a:t>HbO</a:t>
+            </a:r>
+            <a:r>
+              <a:rPr lang="en-US" dirty="0"/>
+              <a:t> (Noise Masker, STG)</a:t>
+            </a:r>
+          </a:p>
+        </p:txBody>
+      </p:sp>
+      <p:sp>
+        <p:nvSpPr>
+          <p:cNvPr id="3" name="Content Placeholder 2">
+            <a:extLst>
+              <a:ext uri="{FF2B5EF4-FFF2-40B4-BE49-F238E27FC236}">
+                <a16:creationId xmlns:a16="http://schemas.microsoft.com/office/drawing/2014/main" id="{BF67AD74-BC1A-14EE-9D12-4CCD6E95D9C3}"/>
+              </a:ext>
+            </a:extLst>
+          </p:cNvPr>
+          <p:cNvSpPr>
+            <a:spLocks noGrp="1"/>
+          </p:cNvSpPr>
+          <p:nvPr>
+            <p:ph idx="1"/>
+          </p:nvPr>
+        </p:nvSpPr>
+        <p:spPr/>
+        <p:txBody>
+          <a:bodyPr/>
+          <a:lstStyle/>
+          <a:p>
+            <a:endParaRPr lang="en-US"/>
+          </a:p>
+        </p:txBody>
+      </p:sp>
+    </p:spTree>
+    <p:extLst>
+      <p:ext uri="{BB962C8B-B14F-4D97-AF65-F5344CB8AC3E}">
+        <p14:creationId xmlns:p14="http://schemas.microsoft.com/office/powerpoint/2010/main" val="15597150"/>
+      </p:ext>
+    </p:extLst>
   </p:cSld>
   <p:clrMapOvr>
     <a:masterClrMapping/>

--- a/SRM-NIRS-EEG Update 4-19.pptx
+++ b/SRM-NIRS-EEG Update 4-19.pptx
@@ -5,10 +5,10 @@
     <p:sldMasterId id="2147483648" r:id="rId1"/>
   </p:sldMasterIdLst>
   <p:notesMasterIdLst>
-    <p:notesMasterId r:id="rId20"/>
+    <p:notesMasterId r:id="rId16"/>
   </p:notesMasterIdLst>
   <p:handoutMasterIdLst>
-    <p:handoutMasterId r:id="rId21"/>
+    <p:handoutMasterId r:id="rId17"/>
   </p:handoutMasterIdLst>
   <p:sldIdLst>
     <p:sldId id="256" r:id="rId2"/>
@@ -21,14 +21,10 @@
     <p:sldId id="271" r:id="rId9"/>
     <p:sldId id="272" r:id="rId10"/>
     <p:sldId id="277" r:id="rId11"/>
-    <p:sldId id="273" r:id="rId12"/>
-    <p:sldId id="274" r:id="rId13"/>
-    <p:sldId id="275" r:id="rId14"/>
-    <p:sldId id="276" r:id="rId15"/>
-    <p:sldId id="278" r:id="rId16"/>
-    <p:sldId id="279" r:id="rId17"/>
-    <p:sldId id="280" r:id="rId18"/>
-    <p:sldId id="266" r:id="rId19"/>
+    <p:sldId id="279" r:id="rId12"/>
+    <p:sldId id="280" r:id="rId13"/>
+    <p:sldId id="281" r:id="rId14"/>
+    <p:sldId id="266" r:id="rId15"/>
   </p:sldIdLst>
   <p:sldSz cx="10080625" cy="5670550"/>
   <p:notesSz cx="7772400" cy="10058400"/>
@@ -1201,7 +1197,7 @@
           <a:p>
             <a:pPr lvl="0"/>
             <a:fld id="{21A34183-C0C0-4248-A472-917558651C40}" type="slidenum">
-              <a:t>18</a:t>
+              <a:t>14</a:t>
             </a:fld>
             <a:endParaRPr lang="en-US"/>
           </a:p>
@@ -4884,7 +4880,7 @@
           <p:cNvPr id="2" name="Title 1">
             <a:extLst>
               <a:ext uri="{FF2B5EF4-FFF2-40B4-BE49-F238E27FC236}">
-                <a16:creationId xmlns:a16="http://schemas.microsoft.com/office/drawing/2014/main" id="{A12D93CA-E982-AD54-BDB2-1E957BAC8B9F}"/>
+                <a16:creationId xmlns:a16="http://schemas.microsoft.com/office/drawing/2014/main" id="{7FAEBC7A-C361-E4CD-1CF3-F466F6E28B49}"/>
               </a:ext>
             </a:extLst>
           </p:cNvPr>
@@ -4902,7 +4898,15 @@
           <a:p>
             <a:r>
               <a:rPr lang="en-US" dirty="0"/>
-              <a:t>Beta (Speech Masker, PFC)</a:t>
+              <a:t>Mean </a:t>
+            </a:r>
+            <a:r>
+              <a:rPr lang="en-US" dirty="0" err="1"/>
+              <a:t>HbO</a:t>
+            </a:r>
+            <a:r>
+              <a:rPr lang="en-US" dirty="0"/>
+              <a:t> vs. D-prime (speech masker only)</a:t>
             </a:r>
           </a:p>
         </p:txBody>
@@ -4912,7 +4916,7 @@
           <p:cNvPr id="3" name="Content Placeholder 2">
             <a:extLst>
               <a:ext uri="{FF2B5EF4-FFF2-40B4-BE49-F238E27FC236}">
-                <a16:creationId xmlns:a16="http://schemas.microsoft.com/office/drawing/2014/main" id="{C969D12E-422D-4448-613A-86CE44951EAC}"/>
+                <a16:creationId xmlns:a16="http://schemas.microsoft.com/office/drawing/2014/main" id="{A96995B0-90E2-5AD3-B6BA-17A66B51CF95}"/>
               </a:ext>
             </a:extLst>
           </p:cNvPr>
@@ -4935,7 +4939,7 @@
     </p:spTree>
     <p:extLst>
       <p:ext uri="{BB962C8B-B14F-4D97-AF65-F5344CB8AC3E}">
-        <p14:creationId xmlns:p14="http://schemas.microsoft.com/office/powerpoint/2010/main" val="796855147"/>
+        <p14:creationId xmlns:p14="http://schemas.microsoft.com/office/powerpoint/2010/main" val="4138141288"/>
       </p:ext>
     </p:extLst>
   </p:cSld>
@@ -4967,7 +4971,7 @@
           <p:cNvPr id="2" name="Title 1">
             <a:extLst>
               <a:ext uri="{FF2B5EF4-FFF2-40B4-BE49-F238E27FC236}">
-                <a16:creationId xmlns:a16="http://schemas.microsoft.com/office/drawing/2014/main" id="{099AFE17-90D5-2BB8-1677-430E821FDCBA}"/>
+                <a16:creationId xmlns:a16="http://schemas.microsoft.com/office/drawing/2014/main" id="{7FAEBC7A-C361-E4CD-1CF3-F466F6E28B49}"/>
               </a:ext>
             </a:extLst>
           </p:cNvPr>
@@ -4985,7 +4989,15 @@
           <a:p>
             <a:r>
               <a:rPr lang="en-US" dirty="0"/>
-              <a:t>Beta (Speech Masker, STG)</a:t>
+              <a:t>Mean </a:t>
+            </a:r>
+            <a:r>
+              <a:rPr lang="en-US" dirty="0" err="1"/>
+              <a:t>HbO</a:t>
+            </a:r>
+            <a:r>
+              <a:rPr lang="en-US" dirty="0"/>
+              <a:t> vs. Hit Rate (noise masker only)</a:t>
             </a:r>
           </a:p>
         </p:txBody>
@@ -4995,7 +5007,7 @@
           <p:cNvPr id="3" name="Content Placeholder 2">
             <a:extLst>
               <a:ext uri="{FF2B5EF4-FFF2-40B4-BE49-F238E27FC236}">
-                <a16:creationId xmlns:a16="http://schemas.microsoft.com/office/drawing/2014/main" id="{2D09541F-F46F-55EF-8EEF-8BBE8CB0DEBA}"/>
+                <a16:creationId xmlns:a16="http://schemas.microsoft.com/office/drawing/2014/main" id="{A96995B0-90E2-5AD3-B6BA-17A66B51CF95}"/>
               </a:ext>
             </a:extLst>
           </p:cNvPr>
@@ -5018,7 +5030,7 @@
     </p:spTree>
     <p:extLst>
       <p:ext uri="{BB962C8B-B14F-4D97-AF65-F5344CB8AC3E}">
-        <p14:creationId xmlns:p14="http://schemas.microsoft.com/office/powerpoint/2010/main" val="3460780340"/>
+        <p14:creationId xmlns:p14="http://schemas.microsoft.com/office/powerpoint/2010/main" val="1802332161"/>
       </p:ext>
     </p:extLst>
   </p:cSld>
@@ -5050,7 +5062,7 @@
           <p:cNvPr id="2" name="Title 1">
             <a:extLst>
               <a:ext uri="{FF2B5EF4-FFF2-40B4-BE49-F238E27FC236}">
-                <a16:creationId xmlns:a16="http://schemas.microsoft.com/office/drawing/2014/main" id="{ABE5F37D-63B1-1017-4406-FE139112599E}"/>
+                <a16:creationId xmlns:a16="http://schemas.microsoft.com/office/drawing/2014/main" id="{EADD8439-B5BC-97FB-09E4-B8B47AA5B031}"/>
               </a:ext>
             </a:extLst>
           </p:cNvPr>
@@ -5067,8 +5079,8 @@
           <a:lstStyle/>
           <a:p>
             <a:r>
-              <a:rPr lang="en-US" dirty="0"/>
-              <a:t>Beta (Noise Masker, PFC)</a:t>
+              <a:rPr lang="en-US"/>
+              <a:t>MILD-2 Behavior</a:t>
             </a:r>
           </a:p>
         </p:txBody>
@@ -5078,7 +5090,7 @@
           <p:cNvPr id="3" name="Content Placeholder 2">
             <a:extLst>
               <a:ext uri="{FF2B5EF4-FFF2-40B4-BE49-F238E27FC236}">
-                <a16:creationId xmlns:a16="http://schemas.microsoft.com/office/drawing/2014/main" id="{7F385D36-D9C0-6FC8-CEBC-5FA13D75AA0A}"/>
+                <a16:creationId xmlns:a16="http://schemas.microsoft.com/office/drawing/2014/main" id="{CFC41120-07C6-A74D-0261-DE006E35E967}"/>
               </a:ext>
             </a:extLst>
           </p:cNvPr>
@@ -5101,7 +5113,7 @@
     </p:spTree>
     <p:extLst>
       <p:ext uri="{BB962C8B-B14F-4D97-AF65-F5344CB8AC3E}">
-        <p14:creationId xmlns:p14="http://schemas.microsoft.com/office/powerpoint/2010/main" val="3186515013"/>
+        <p14:creationId xmlns:p14="http://schemas.microsoft.com/office/powerpoint/2010/main" val="4135157298"/>
       </p:ext>
     </p:extLst>
   </p:cSld>
@@ -5112,563 +5124,6 @@
 </file>
 
 <file path=ppt/slides/slide14.xml><?xml version="1.0" encoding="utf-8"?>
-<p:sld xmlns:a="http://schemas.openxmlformats.org/drawingml/2006/main" xmlns:r="http://schemas.openxmlformats.org/officeDocument/2006/relationships" xmlns:p="http://schemas.openxmlformats.org/presentationml/2006/main">
-  <p:cSld>
-    <p:spTree>
-      <p:nvGrpSpPr>
-        <p:cNvPr id="1" name=""/>
-        <p:cNvGrpSpPr/>
-        <p:nvPr/>
-      </p:nvGrpSpPr>
-      <p:grpSpPr>
-        <a:xfrm>
-          <a:off x="0" y="0"/>
-          <a:ext cx="0" cy="0"/>
-          <a:chOff x="0" y="0"/>
-          <a:chExt cx="0" cy="0"/>
-        </a:xfrm>
-      </p:grpSpPr>
-      <p:sp>
-        <p:nvSpPr>
-          <p:cNvPr id="2" name="Title 1">
-            <a:extLst>
-              <a:ext uri="{FF2B5EF4-FFF2-40B4-BE49-F238E27FC236}">
-                <a16:creationId xmlns:a16="http://schemas.microsoft.com/office/drawing/2014/main" id="{B64AA2B6-949B-E739-A4B6-5696EAE922E3}"/>
-              </a:ext>
-            </a:extLst>
-          </p:cNvPr>
-          <p:cNvSpPr>
-            <a:spLocks noGrp="1"/>
-          </p:cNvSpPr>
-          <p:nvPr>
-            <p:ph type="title"/>
-          </p:nvPr>
-        </p:nvSpPr>
-        <p:spPr/>
-        <p:txBody>
-          <a:bodyPr/>
-          <a:lstStyle/>
-          <a:p>
-            <a:r>
-              <a:rPr lang="en-US" dirty="0"/>
-              <a:t>Beta (Noise Masker, STG)</a:t>
-            </a:r>
-          </a:p>
-        </p:txBody>
-      </p:sp>
-      <p:sp>
-        <p:nvSpPr>
-          <p:cNvPr id="3" name="Content Placeholder 2">
-            <a:extLst>
-              <a:ext uri="{FF2B5EF4-FFF2-40B4-BE49-F238E27FC236}">
-                <a16:creationId xmlns:a16="http://schemas.microsoft.com/office/drawing/2014/main" id="{BF67AD74-BC1A-14EE-9D12-4CCD6E95D9C3}"/>
-              </a:ext>
-            </a:extLst>
-          </p:cNvPr>
-          <p:cNvSpPr>
-            <a:spLocks noGrp="1"/>
-          </p:cNvSpPr>
-          <p:nvPr>
-            <p:ph idx="1"/>
-          </p:nvPr>
-        </p:nvSpPr>
-        <p:spPr/>
-        <p:txBody>
-          <a:bodyPr/>
-          <a:lstStyle/>
-          <a:p>
-            <a:endParaRPr lang="en-US"/>
-          </a:p>
-        </p:txBody>
-      </p:sp>
-    </p:spTree>
-    <p:extLst>
-      <p:ext uri="{BB962C8B-B14F-4D97-AF65-F5344CB8AC3E}">
-        <p14:creationId xmlns:p14="http://schemas.microsoft.com/office/powerpoint/2010/main" val="2596502372"/>
-      </p:ext>
-    </p:extLst>
-  </p:cSld>
-  <p:clrMapOvr>
-    <a:masterClrMapping/>
-  </p:clrMapOvr>
-</p:sld>
-</file>
-
-<file path=ppt/slides/slide15.xml><?xml version="1.0" encoding="utf-8"?>
-<p:sld xmlns:a="http://schemas.openxmlformats.org/drawingml/2006/main" xmlns:r="http://schemas.openxmlformats.org/officeDocument/2006/relationships" xmlns:p="http://schemas.openxmlformats.org/presentationml/2006/main">
-  <p:cSld>
-    <p:spTree>
-      <p:nvGrpSpPr>
-        <p:cNvPr id="1" name=""/>
-        <p:cNvGrpSpPr/>
-        <p:nvPr/>
-      </p:nvGrpSpPr>
-      <p:grpSpPr>
-        <a:xfrm>
-          <a:off x="0" y="0"/>
-          <a:ext cx="0" cy="0"/>
-          <a:chOff x="0" y="0"/>
-          <a:chExt cx="0" cy="0"/>
-        </a:xfrm>
-      </p:grpSpPr>
-      <p:sp>
-        <p:nvSpPr>
-          <p:cNvPr id="2" name="Title 1">
-            <a:extLst>
-              <a:ext uri="{FF2B5EF4-FFF2-40B4-BE49-F238E27FC236}">
-                <a16:creationId xmlns:a16="http://schemas.microsoft.com/office/drawing/2014/main" id="{5DAABEB0-E95E-92CE-F44C-6F37A5A588E6}"/>
-              </a:ext>
-            </a:extLst>
-          </p:cNvPr>
-          <p:cNvSpPr>
-            <a:spLocks noGrp="1"/>
-          </p:cNvSpPr>
-          <p:nvPr>
-            <p:ph type="title"/>
-          </p:nvPr>
-        </p:nvSpPr>
-        <p:spPr/>
-        <p:txBody>
-          <a:bodyPr/>
-          <a:lstStyle/>
-          <a:p>
-            <a:r>
-              <a:rPr lang="en-US" dirty="0"/>
-              <a:t>ANOVAs on Beta</a:t>
-            </a:r>
-          </a:p>
-        </p:txBody>
-      </p:sp>
-      <p:sp>
-        <p:nvSpPr>
-          <p:cNvPr id="3" name="Content Placeholder 2">
-            <a:extLst>
-              <a:ext uri="{FF2B5EF4-FFF2-40B4-BE49-F238E27FC236}">
-                <a16:creationId xmlns:a16="http://schemas.microsoft.com/office/drawing/2014/main" id="{8067636C-AD53-1204-369B-8403A92B09DE}"/>
-              </a:ext>
-            </a:extLst>
-          </p:cNvPr>
-          <p:cNvSpPr>
-            <a:spLocks noGrp="1"/>
-          </p:cNvSpPr>
-          <p:nvPr>
-            <p:ph idx="1"/>
-          </p:nvPr>
-        </p:nvSpPr>
-        <p:spPr>
-          <a:xfrm>
-            <a:off x="503999" y="1326600"/>
-            <a:ext cx="1128858" cy="649157"/>
-          </a:xfrm>
-        </p:spPr>
-        <p:txBody>
-          <a:bodyPr/>
-          <a:lstStyle/>
-          <a:p>
-            <a:r>
-              <a:rPr lang="en-US" dirty="0"/>
-              <a:t>PFC:</a:t>
-            </a:r>
-          </a:p>
-        </p:txBody>
-      </p:sp>
-      <p:sp>
-        <p:nvSpPr>
-          <p:cNvPr id="4" name="Content Placeholder 2">
-            <a:extLst>
-              <a:ext uri="{FF2B5EF4-FFF2-40B4-BE49-F238E27FC236}">
-                <a16:creationId xmlns:a16="http://schemas.microsoft.com/office/drawing/2014/main" id="{1521047D-6F37-F924-E278-85D92B6B2B82}"/>
-              </a:ext>
-            </a:extLst>
-          </p:cNvPr>
-          <p:cNvSpPr txBox="1">
-            <a:spLocks/>
-          </p:cNvSpPr>
-          <p:nvPr/>
-        </p:nvSpPr>
-        <p:spPr>
-          <a:xfrm>
-            <a:off x="503999" y="3045637"/>
-            <a:ext cx="1128858" cy="649157"/>
-          </a:xfrm>
-          <a:prstGeom prst="rect">
-            <a:avLst/>
-          </a:prstGeom>
-          <a:noFill/>
-          <a:ln>
-            <a:noFill/>
-          </a:ln>
-        </p:spPr>
-        <p:txBody>
-          <a:bodyPr lIns="0" tIns="0" rIns="0" bIns="0">
-            <a:normAutofit/>
-          </a:bodyPr>
-          <a:lstStyle>
-            <a:lvl1pPr rtl="0" hangingPunct="0">
-              <a:spcBef>
-                <a:spcPts val="1417"/>
-              </a:spcBef>
-              <a:spcAft>
-                <a:spcPts val="0"/>
-              </a:spcAft>
-              <a:tabLst/>
-              <a:defRPr lang="en-US" sz="3200" b="0" i="0" u="none" strike="noStrike" kern="1200" cap="none">
-                <a:ln>
-                  <a:noFill/>
-                </a:ln>
-                <a:highlight>
-                  <a:scrgbClr r="0" g="0" b="0">
-                    <a:alpha val="0"/>
-                  </a:scrgbClr>
-                </a:highlight>
-                <a:latin typeface="Liberation Sans" pitchFamily="18"/>
-              </a:defRPr>
-            </a:lvl1pPr>
-            <a:lvl2pPr marL="685800" indent="-228600" algn="l" defTabSz="914400" rtl="0" eaLnBrk="1" latinLnBrk="0" hangingPunct="1">
-              <a:lnSpc>
-                <a:spcPct val="90000"/>
-              </a:lnSpc>
-              <a:spcBef>
-                <a:spcPts val="500"/>
-              </a:spcBef>
-              <a:buFont typeface="Arial" panose="020B0604020202020204" pitchFamily="34" charset="0"/>
-              <a:buChar char="•"/>
-              <a:defRPr sz="2400" kern="1200">
-                <a:solidFill>
-                  <a:schemeClr val="tx1"/>
-                </a:solidFill>
-                <a:latin typeface="+mn-lt"/>
-                <a:ea typeface="+mn-ea"/>
-                <a:cs typeface="+mn-cs"/>
-              </a:defRPr>
-            </a:lvl2pPr>
-            <a:lvl3pPr marL="1143000" indent="-228600" algn="l" defTabSz="914400" rtl="0" eaLnBrk="1" latinLnBrk="0" hangingPunct="1">
-              <a:lnSpc>
-                <a:spcPct val="90000"/>
-              </a:lnSpc>
-              <a:spcBef>
-                <a:spcPts val="500"/>
-              </a:spcBef>
-              <a:buFont typeface="Arial" panose="020B0604020202020204" pitchFamily="34" charset="0"/>
-              <a:buChar char="•"/>
-              <a:defRPr sz="2000" kern="1200">
-                <a:solidFill>
-                  <a:schemeClr val="tx1"/>
-                </a:solidFill>
-                <a:latin typeface="+mn-lt"/>
-                <a:ea typeface="+mn-ea"/>
-                <a:cs typeface="+mn-cs"/>
-              </a:defRPr>
-            </a:lvl3pPr>
-            <a:lvl4pPr marL="1600200" indent="-228600" algn="l" defTabSz="914400" rtl="0" eaLnBrk="1" latinLnBrk="0" hangingPunct="1">
-              <a:lnSpc>
-                <a:spcPct val="90000"/>
-              </a:lnSpc>
-              <a:spcBef>
-                <a:spcPts val="500"/>
-              </a:spcBef>
-              <a:buFont typeface="Arial" panose="020B0604020202020204" pitchFamily="34" charset="0"/>
-              <a:buChar char="•"/>
-              <a:defRPr sz="1800" kern="1200">
-                <a:solidFill>
-                  <a:schemeClr val="tx1"/>
-                </a:solidFill>
-                <a:latin typeface="+mn-lt"/>
-                <a:ea typeface="+mn-ea"/>
-                <a:cs typeface="+mn-cs"/>
-              </a:defRPr>
-            </a:lvl4pPr>
-            <a:lvl5pPr marL="2057400" indent="-228600" algn="l" defTabSz="914400" rtl="0" eaLnBrk="1" latinLnBrk="0" hangingPunct="1">
-              <a:lnSpc>
-                <a:spcPct val="90000"/>
-              </a:lnSpc>
-              <a:spcBef>
-                <a:spcPts val="500"/>
-              </a:spcBef>
-              <a:buFont typeface="Arial" panose="020B0604020202020204" pitchFamily="34" charset="0"/>
-              <a:buChar char="•"/>
-              <a:defRPr sz="1800" kern="1200">
-                <a:solidFill>
-                  <a:schemeClr val="tx1"/>
-                </a:solidFill>
-                <a:latin typeface="+mn-lt"/>
-                <a:ea typeface="+mn-ea"/>
-                <a:cs typeface="+mn-cs"/>
-              </a:defRPr>
-            </a:lvl5pPr>
-            <a:lvl6pPr marL="2514600" indent="-228600" algn="l" defTabSz="914400" rtl="0" eaLnBrk="1" latinLnBrk="0" hangingPunct="1">
-              <a:lnSpc>
-                <a:spcPct val="90000"/>
-              </a:lnSpc>
-              <a:spcBef>
-                <a:spcPts val="500"/>
-              </a:spcBef>
-              <a:buFont typeface="Arial" panose="020B0604020202020204" pitchFamily="34" charset="0"/>
-              <a:buChar char="•"/>
-              <a:defRPr sz="1800" kern="1200">
-                <a:solidFill>
-                  <a:schemeClr val="tx1"/>
-                </a:solidFill>
-                <a:latin typeface="+mn-lt"/>
-                <a:ea typeface="+mn-ea"/>
-                <a:cs typeface="+mn-cs"/>
-              </a:defRPr>
-            </a:lvl6pPr>
-            <a:lvl7pPr marL="2971800" indent="-228600" algn="l" defTabSz="914400" rtl="0" eaLnBrk="1" latinLnBrk="0" hangingPunct="1">
-              <a:lnSpc>
-                <a:spcPct val="90000"/>
-              </a:lnSpc>
-              <a:spcBef>
-                <a:spcPts val="500"/>
-              </a:spcBef>
-              <a:buFont typeface="Arial" panose="020B0604020202020204" pitchFamily="34" charset="0"/>
-              <a:buChar char="•"/>
-              <a:defRPr sz="1800" kern="1200">
-                <a:solidFill>
-                  <a:schemeClr val="tx1"/>
-                </a:solidFill>
-                <a:latin typeface="+mn-lt"/>
-                <a:ea typeface="+mn-ea"/>
-                <a:cs typeface="+mn-cs"/>
-              </a:defRPr>
-            </a:lvl7pPr>
-            <a:lvl8pPr marL="3429000" indent="-228600" algn="l" defTabSz="914400" rtl="0" eaLnBrk="1" latinLnBrk="0" hangingPunct="1">
-              <a:lnSpc>
-                <a:spcPct val="90000"/>
-              </a:lnSpc>
-              <a:spcBef>
-                <a:spcPts val="500"/>
-              </a:spcBef>
-              <a:buFont typeface="Arial" panose="020B0604020202020204" pitchFamily="34" charset="0"/>
-              <a:buChar char="•"/>
-              <a:defRPr sz="1800" kern="1200">
-                <a:solidFill>
-                  <a:schemeClr val="tx1"/>
-                </a:solidFill>
-                <a:latin typeface="+mn-lt"/>
-                <a:ea typeface="+mn-ea"/>
-                <a:cs typeface="+mn-cs"/>
-              </a:defRPr>
-            </a:lvl8pPr>
-            <a:lvl9pPr marL="3886200" indent="-228600" algn="l" defTabSz="914400" rtl="0" eaLnBrk="1" latinLnBrk="0" hangingPunct="1">
-              <a:lnSpc>
-                <a:spcPct val="90000"/>
-              </a:lnSpc>
-              <a:spcBef>
-                <a:spcPts val="500"/>
-              </a:spcBef>
-              <a:buFont typeface="Arial" panose="020B0604020202020204" pitchFamily="34" charset="0"/>
-              <a:buChar char="•"/>
-              <a:defRPr sz="1800" kern="1200">
-                <a:solidFill>
-                  <a:schemeClr val="tx1"/>
-                </a:solidFill>
-                <a:latin typeface="+mn-lt"/>
-                <a:ea typeface="+mn-ea"/>
-                <a:cs typeface="+mn-cs"/>
-              </a:defRPr>
-            </a:lvl9pPr>
-          </a:lstStyle>
-          <a:p>
-            <a:r>
-              <a:rPr lang="en-US" dirty="0">
-                <a:solidFill>
-                  <a:sysClr val="windowText" lastClr="000000"/>
-                </a:solidFill>
-              </a:rPr>
-              <a:t>STG:</a:t>
-            </a:r>
-          </a:p>
-        </p:txBody>
-      </p:sp>
-    </p:spTree>
-    <p:extLst>
-      <p:ext uri="{BB962C8B-B14F-4D97-AF65-F5344CB8AC3E}">
-        <p14:creationId xmlns:p14="http://schemas.microsoft.com/office/powerpoint/2010/main" val="310665409"/>
-      </p:ext>
-    </p:extLst>
-  </p:cSld>
-  <p:clrMapOvr>
-    <a:masterClrMapping/>
-  </p:clrMapOvr>
-</p:sld>
-</file>
-
-<file path=ppt/slides/slide16.xml><?xml version="1.0" encoding="utf-8"?>
-<p:sld xmlns:a="http://schemas.openxmlformats.org/drawingml/2006/main" xmlns:r="http://schemas.openxmlformats.org/officeDocument/2006/relationships" xmlns:p="http://schemas.openxmlformats.org/presentationml/2006/main">
-  <p:cSld>
-    <p:spTree>
-      <p:nvGrpSpPr>
-        <p:cNvPr id="1" name=""/>
-        <p:cNvGrpSpPr/>
-        <p:nvPr/>
-      </p:nvGrpSpPr>
-      <p:grpSpPr>
-        <a:xfrm>
-          <a:off x="0" y="0"/>
-          <a:ext cx="0" cy="0"/>
-          <a:chOff x="0" y="0"/>
-          <a:chExt cx="0" cy="0"/>
-        </a:xfrm>
-      </p:grpSpPr>
-      <p:sp>
-        <p:nvSpPr>
-          <p:cNvPr id="2" name="Title 1">
-            <a:extLst>
-              <a:ext uri="{FF2B5EF4-FFF2-40B4-BE49-F238E27FC236}">
-                <a16:creationId xmlns:a16="http://schemas.microsoft.com/office/drawing/2014/main" id="{7FAEBC7A-C361-E4CD-1CF3-F466F6E28B49}"/>
-              </a:ext>
-            </a:extLst>
-          </p:cNvPr>
-          <p:cNvSpPr>
-            <a:spLocks noGrp="1"/>
-          </p:cNvSpPr>
-          <p:nvPr>
-            <p:ph type="title"/>
-          </p:nvPr>
-        </p:nvSpPr>
-        <p:spPr/>
-        <p:txBody>
-          <a:bodyPr/>
-          <a:lstStyle/>
-          <a:p>
-            <a:r>
-              <a:rPr lang="en-US" dirty="0"/>
-              <a:t>Mean </a:t>
-            </a:r>
-            <a:r>
-              <a:rPr lang="en-US" dirty="0" err="1"/>
-              <a:t>HbO</a:t>
-            </a:r>
-            <a:r>
-              <a:rPr lang="en-US" dirty="0"/>
-              <a:t> vs. Behavior</a:t>
-            </a:r>
-          </a:p>
-        </p:txBody>
-      </p:sp>
-      <p:sp>
-        <p:nvSpPr>
-          <p:cNvPr id="3" name="Content Placeholder 2">
-            <a:extLst>
-              <a:ext uri="{FF2B5EF4-FFF2-40B4-BE49-F238E27FC236}">
-                <a16:creationId xmlns:a16="http://schemas.microsoft.com/office/drawing/2014/main" id="{A96995B0-90E2-5AD3-B6BA-17A66B51CF95}"/>
-              </a:ext>
-            </a:extLst>
-          </p:cNvPr>
-          <p:cNvSpPr>
-            <a:spLocks noGrp="1"/>
-          </p:cNvSpPr>
-          <p:nvPr>
-            <p:ph idx="1"/>
-          </p:nvPr>
-        </p:nvSpPr>
-        <p:spPr/>
-        <p:txBody>
-          <a:bodyPr/>
-          <a:lstStyle/>
-          <a:p>
-            <a:endParaRPr lang="en-US"/>
-          </a:p>
-        </p:txBody>
-      </p:sp>
-    </p:spTree>
-    <p:extLst>
-      <p:ext uri="{BB962C8B-B14F-4D97-AF65-F5344CB8AC3E}">
-        <p14:creationId xmlns:p14="http://schemas.microsoft.com/office/powerpoint/2010/main" val="4138141288"/>
-      </p:ext>
-    </p:extLst>
-  </p:cSld>
-  <p:clrMapOvr>
-    <a:masterClrMapping/>
-  </p:clrMapOvr>
-</p:sld>
-</file>
-
-<file path=ppt/slides/slide17.xml><?xml version="1.0" encoding="utf-8"?>
-<p:sld xmlns:a="http://schemas.openxmlformats.org/drawingml/2006/main" xmlns:r="http://schemas.openxmlformats.org/officeDocument/2006/relationships" xmlns:p="http://schemas.openxmlformats.org/presentationml/2006/main">
-  <p:cSld>
-    <p:spTree>
-      <p:nvGrpSpPr>
-        <p:cNvPr id="1" name=""/>
-        <p:cNvGrpSpPr/>
-        <p:nvPr/>
-      </p:nvGrpSpPr>
-      <p:grpSpPr>
-        <a:xfrm>
-          <a:off x="0" y="0"/>
-          <a:ext cx="0" cy="0"/>
-          <a:chOff x="0" y="0"/>
-          <a:chExt cx="0" cy="0"/>
-        </a:xfrm>
-      </p:grpSpPr>
-      <p:sp>
-        <p:nvSpPr>
-          <p:cNvPr id="2" name="Title 1">
-            <a:extLst>
-              <a:ext uri="{FF2B5EF4-FFF2-40B4-BE49-F238E27FC236}">
-                <a16:creationId xmlns:a16="http://schemas.microsoft.com/office/drawing/2014/main" id="{77133182-7705-7F90-A3BF-AB899AB584A6}"/>
-              </a:ext>
-            </a:extLst>
-          </p:cNvPr>
-          <p:cNvSpPr>
-            <a:spLocks noGrp="1"/>
-          </p:cNvSpPr>
-          <p:nvPr>
-            <p:ph type="title"/>
-          </p:nvPr>
-        </p:nvSpPr>
-        <p:spPr/>
-        <p:txBody>
-          <a:bodyPr/>
-          <a:lstStyle/>
-          <a:p>
-            <a:r>
-              <a:rPr lang="en-US" dirty="0"/>
-              <a:t>Beta vs. Behavior</a:t>
-            </a:r>
-          </a:p>
-        </p:txBody>
-      </p:sp>
-      <p:sp>
-        <p:nvSpPr>
-          <p:cNvPr id="3" name="Content Placeholder 2">
-            <a:extLst>
-              <a:ext uri="{FF2B5EF4-FFF2-40B4-BE49-F238E27FC236}">
-                <a16:creationId xmlns:a16="http://schemas.microsoft.com/office/drawing/2014/main" id="{077F1C89-2837-4637-93A4-9F4F75AE790D}"/>
-              </a:ext>
-            </a:extLst>
-          </p:cNvPr>
-          <p:cNvSpPr>
-            <a:spLocks noGrp="1"/>
-          </p:cNvSpPr>
-          <p:nvPr>
-            <p:ph idx="1"/>
-          </p:nvPr>
-        </p:nvSpPr>
-        <p:spPr/>
-        <p:txBody>
-          <a:bodyPr/>
-          <a:lstStyle/>
-          <a:p>
-            <a:endParaRPr lang="en-US"/>
-          </a:p>
-        </p:txBody>
-      </p:sp>
-    </p:spTree>
-    <p:extLst>
-      <p:ext uri="{BB962C8B-B14F-4D97-AF65-F5344CB8AC3E}">
-        <p14:creationId xmlns:p14="http://schemas.microsoft.com/office/powerpoint/2010/main" val="3324728430"/>
-      </p:ext>
-    </p:extLst>
-  </p:cSld>
-  <p:clrMapOvr>
-    <a:masterClrMapping/>
-  </p:clrMapOvr>
-</p:sld>
-</file>
-
-<file path=ppt/slides/slide18.xml><?xml version="1.0" encoding="utf-8"?>
 <p:sld xmlns:a="http://schemas.openxmlformats.org/drawingml/2006/main" xmlns:r="http://schemas.openxmlformats.org/officeDocument/2006/relationships" xmlns:p="http://schemas.openxmlformats.org/presentationml/2006/main">
   <p:cSld name="page11">
     <p:spTree>
@@ -6386,31 +5841,36 @@
           </a:p>
         </p:txBody>
       </p:sp>
-      <p:sp>
-        <p:nvSpPr>
-          <p:cNvPr id="3" name="Content Placeholder 2">
-            <a:extLst>
-              <a:ext uri="{FF2B5EF4-FFF2-40B4-BE49-F238E27FC236}">
-                <a16:creationId xmlns:a16="http://schemas.microsoft.com/office/drawing/2014/main" id="{C969D12E-422D-4448-613A-86CE44951EAC}"/>
-              </a:ext>
-            </a:extLst>
-          </p:cNvPr>
-          <p:cNvSpPr>
-            <a:spLocks noGrp="1"/>
-          </p:cNvSpPr>
-          <p:nvPr>
-            <p:ph idx="1"/>
-          </p:nvPr>
-        </p:nvSpPr>
-        <p:spPr/>
-        <p:txBody>
-          <a:bodyPr/>
-          <a:lstStyle/>
-          <a:p>
-            <a:endParaRPr lang="en-US"/>
-          </a:p>
-        </p:txBody>
-      </p:sp>
+      <p:pic>
+        <p:nvPicPr>
+          <p:cNvPr id="7" name="Picture 6">
+            <a:extLst>
+              <a:ext uri="{FF2B5EF4-FFF2-40B4-BE49-F238E27FC236}">
+                <a16:creationId xmlns:a16="http://schemas.microsoft.com/office/drawing/2014/main" id="{8DA7CAFE-D767-5BB7-EC6B-92D8D051201B}"/>
+              </a:ext>
+            </a:extLst>
+          </p:cNvPr>
+          <p:cNvPicPr>
+            <a:picLocks noChangeAspect="1"/>
+          </p:cNvPicPr>
+          <p:nvPr/>
+        </p:nvPicPr>
+        <p:blipFill>
+          <a:blip r:embed="rId2"/>
+          <a:stretch>
+            <a:fillRect/>
+          </a:stretch>
+        </p:blipFill>
+        <p:spPr>
+          <a:xfrm>
+            <a:off x="1799091" y="1229994"/>
+            <a:ext cx="6659109" cy="4214476"/>
+          </a:xfrm>
+          <a:prstGeom prst="rect">
+            <a:avLst/>
+          </a:prstGeom>
+        </p:spPr>
+      </p:pic>
     </p:spTree>
     <p:extLst>
       <p:ext uri="{BB962C8B-B14F-4D97-AF65-F5344CB8AC3E}">
@@ -6477,31 +5937,36 @@
           </a:p>
         </p:txBody>
       </p:sp>
-      <p:sp>
-        <p:nvSpPr>
-          <p:cNvPr id="3" name="Content Placeholder 2">
-            <a:extLst>
-              <a:ext uri="{FF2B5EF4-FFF2-40B4-BE49-F238E27FC236}">
-                <a16:creationId xmlns:a16="http://schemas.microsoft.com/office/drawing/2014/main" id="{2D09541F-F46F-55EF-8EEF-8BBE8CB0DEBA}"/>
-              </a:ext>
-            </a:extLst>
-          </p:cNvPr>
-          <p:cNvSpPr>
-            <a:spLocks noGrp="1"/>
-          </p:cNvSpPr>
-          <p:nvPr>
-            <p:ph idx="1"/>
-          </p:nvPr>
-        </p:nvSpPr>
-        <p:spPr/>
-        <p:txBody>
-          <a:bodyPr/>
-          <a:lstStyle/>
-          <a:p>
-            <a:endParaRPr lang="en-US"/>
-          </a:p>
-        </p:txBody>
-      </p:sp>
+      <p:pic>
+        <p:nvPicPr>
+          <p:cNvPr id="7" name="Picture 6">
+            <a:extLst>
+              <a:ext uri="{FF2B5EF4-FFF2-40B4-BE49-F238E27FC236}">
+                <a16:creationId xmlns:a16="http://schemas.microsoft.com/office/drawing/2014/main" id="{905BE797-E344-28CE-BDF6-8D93943C3FA8}"/>
+              </a:ext>
+            </a:extLst>
+          </p:cNvPr>
+          <p:cNvPicPr>
+            <a:picLocks noChangeAspect="1"/>
+          </p:cNvPicPr>
+          <p:nvPr/>
+        </p:nvPicPr>
+        <p:blipFill>
+          <a:blip r:embed="rId2"/>
+          <a:stretch>
+            <a:fillRect/>
+          </a:stretch>
+        </p:blipFill>
+        <p:spPr>
+          <a:xfrm>
+            <a:off x="1749611" y="1172520"/>
+            <a:ext cx="6580415" cy="4164672"/>
+          </a:xfrm>
+          <a:prstGeom prst="rect">
+            <a:avLst/>
+          </a:prstGeom>
+        </p:spPr>
+      </p:pic>
     </p:spTree>
     <p:extLst>
       <p:ext uri="{BB962C8B-B14F-4D97-AF65-F5344CB8AC3E}">
@@ -6570,26 +6035,36 @@
       </p:sp>
       <p:sp>
         <p:nvSpPr>
-          <p:cNvPr id="3" name="Content Placeholder 2">
-            <a:extLst>
-              <a:ext uri="{FF2B5EF4-FFF2-40B4-BE49-F238E27FC236}">
-                <a16:creationId xmlns:a16="http://schemas.microsoft.com/office/drawing/2014/main" id="{7F385D36-D9C0-6FC8-CEBC-5FA13D75AA0A}"/>
-              </a:ext>
-            </a:extLst>
-          </p:cNvPr>
-          <p:cNvSpPr>
-            <a:spLocks noGrp="1"/>
-          </p:cNvSpPr>
-          <p:nvPr>
-            <p:ph idx="1"/>
-          </p:nvPr>
-        </p:nvSpPr>
-        <p:spPr/>
-        <p:txBody>
-          <a:bodyPr/>
-          <a:lstStyle/>
-          <a:p>
-            <a:endParaRPr lang="en-US" dirty="0"/>
+          <p:cNvPr id="8" name="TextBox 7">
+            <a:extLst>
+              <a:ext uri="{FF2B5EF4-FFF2-40B4-BE49-F238E27FC236}">
+                <a16:creationId xmlns:a16="http://schemas.microsoft.com/office/drawing/2014/main" id="{7C01BFCC-7B37-5CFC-B753-DB2AFDB89666}"/>
+              </a:ext>
+            </a:extLst>
+          </p:cNvPr>
+          <p:cNvSpPr txBox="1"/>
+          <p:nvPr/>
+        </p:nvSpPr>
+        <p:spPr>
+          <a:xfrm>
+            <a:off x="3322864" y="2367643"/>
+            <a:ext cx="3200400" cy="646331"/>
+          </a:xfrm>
+          <a:prstGeom prst="rect">
+            <a:avLst/>
+          </a:prstGeom>
+          <a:noFill/>
+        </p:spPr>
+        <p:txBody>
+          <a:bodyPr wrap="square" rtlCol="0">
+            <a:spAutoFit/>
+          </a:bodyPr>
+          <a:lstStyle/>
+          <a:p>
+            <a:r>
+              <a:rPr lang="en-US" dirty="0"/>
+              <a:t>Need to redo with noise masker hit rate </a:t>
+            </a:r>
           </a:p>
         </p:txBody>
       </p:sp>
@@ -6656,31 +6131,6 @@
               <a:rPr lang="en-US" dirty="0"/>
               <a:t> (Noise Masker, STG)</a:t>
             </a:r>
-          </a:p>
-        </p:txBody>
-      </p:sp>
-      <p:sp>
-        <p:nvSpPr>
-          <p:cNvPr id="3" name="Content Placeholder 2">
-            <a:extLst>
-              <a:ext uri="{FF2B5EF4-FFF2-40B4-BE49-F238E27FC236}">
-                <a16:creationId xmlns:a16="http://schemas.microsoft.com/office/drawing/2014/main" id="{BF67AD74-BC1A-14EE-9D12-4CCD6E95D9C3}"/>
-              </a:ext>
-            </a:extLst>
-          </p:cNvPr>
-          <p:cNvSpPr>
-            <a:spLocks noGrp="1"/>
-          </p:cNvSpPr>
-          <p:nvPr>
-            <p:ph idx="1"/>
-          </p:nvPr>
-        </p:nvSpPr>
-        <p:spPr/>
-        <p:txBody>
-          <a:bodyPr/>
-          <a:lstStyle/>
-          <a:p>
-            <a:endParaRPr lang="en-US"/>
           </a:p>
         </p:txBody>
       </p:sp>
